--- a/Presentación Comercial/Presentación1.pptx
+++ b/Presentación Comercial/Presentación1.pptx
@@ -297,7 +297,7 @@
             <a:fld id="{45B83DA8-C0AD-4132-B5BD-3FD6411679B0}" type="datetimeFigureOut">
               <a:rPr lang="es-AR" smtClean="0"/>
               <a:pPr/>
-              <a:t>06/09/2012</a:t>
+              <a:t>18/09/2012</a:t>
             </a:fld>
             <a:endParaRPr lang="es-AR"/>
           </a:p>
@@ -464,7 +464,7 @@
             <a:fld id="{45B83DA8-C0AD-4132-B5BD-3FD6411679B0}" type="datetimeFigureOut">
               <a:rPr lang="es-AR" smtClean="0"/>
               <a:pPr/>
-              <a:t>06/09/2012</a:t>
+              <a:t>18/09/2012</a:t>
             </a:fld>
             <a:endParaRPr lang="es-AR"/>
           </a:p>
@@ -641,7 +641,7 @@
             <a:fld id="{45B83DA8-C0AD-4132-B5BD-3FD6411679B0}" type="datetimeFigureOut">
               <a:rPr lang="es-AR" smtClean="0"/>
               <a:pPr/>
-              <a:t>06/09/2012</a:t>
+              <a:t>18/09/2012</a:t>
             </a:fld>
             <a:endParaRPr lang="es-AR"/>
           </a:p>
@@ -808,7 +808,7 @@
             <a:fld id="{45B83DA8-C0AD-4132-B5BD-3FD6411679B0}" type="datetimeFigureOut">
               <a:rPr lang="es-AR" smtClean="0"/>
               <a:pPr/>
-              <a:t>06/09/2012</a:t>
+              <a:t>18/09/2012</a:t>
             </a:fld>
             <a:endParaRPr lang="es-AR"/>
           </a:p>
@@ -1051,7 +1051,7 @@
             <a:fld id="{45B83DA8-C0AD-4132-B5BD-3FD6411679B0}" type="datetimeFigureOut">
               <a:rPr lang="es-AR" smtClean="0"/>
               <a:pPr/>
-              <a:t>06/09/2012</a:t>
+              <a:t>18/09/2012</a:t>
             </a:fld>
             <a:endParaRPr lang="es-AR"/>
           </a:p>
@@ -1336,7 +1336,7 @@
             <a:fld id="{45B83DA8-C0AD-4132-B5BD-3FD6411679B0}" type="datetimeFigureOut">
               <a:rPr lang="es-AR" smtClean="0"/>
               <a:pPr/>
-              <a:t>06/09/2012</a:t>
+              <a:t>18/09/2012</a:t>
             </a:fld>
             <a:endParaRPr lang="es-AR"/>
           </a:p>
@@ -1755,7 +1755,7 @@
             <a:fld id="{45B83DA8-C0AD-4132-B5BD-3FD6411679B0}" type="datetimeFigureOut">
               <a:rPr lang="es-AR" smtClean="0"/>
               <a:pPr/>
-              <a:t>06/09/2012</a:t>
+              <a:t>18/09/2012</a:t>
             </a:fld>
             <a:endParaRPr lang="es-AR"/>
           </a:p>
@@ -1870,7 +1870,7 @@
             <a:fld id="{45B83DA8-C0AD-4132-B5BD-3FD6411679B0}" type="datetimeFigureOut">
               <a:rPr lang="es-AR" smtClean="0"/>
               <a:pPr/>
-              <a:t>06/09/2012</a:t>
+              <a:t>18/09/2012</a:t>
             </a:fld>
             <a:endParaRPr lang="es-AR"/>
           </a:p>
@@ -1962,7 +1962,7 @@
             <a:fld id="{45B83DA8-C0AD-4132-B5BD-3FD6411679B0}" type="datetimeFigureOut">
               <a:rPr lang="es-AR" smtClean="0"/>
               <a:pPr/>
-              <a:t>06/09/2012</a:t>
+              <a:t>18/09/2012</a:t>
             </a:fld>
             <a:endParaRPr lang="es-AR"/>
           </a:p>
@@ -2236,7 +2236,7 @@
             <a:fld id="{45B83DA8-C0AD-4132-B5BD-3FD6411679B0}" type="datetimeFigureOut">
               <a:rPr lang="es-AR" smtClean="0"/>
               <a:pPr/>
-              <a:t>06/09/2012</a:t>
+              <a:t>18/09/2012</a:t>
             </a:fld>
             <a:endParaRPr lang="es-AR"/>
           </a:p>
@@ -2486,7 +2486,7 @@
             <a:fld id="{45B83DA8-C0AD-4132-B5BD-3FD6411679B0}" type="datetimeFigureOut">
               <a:rPr lang="es-AR" smtClean="0"/>
               <a:pPr/>
-              <a:t>06/09/2012</a:t>
+              <a:t>18/09/2012</a:t>
             </a:fld>
             <a:endParaRPr lang="es-AR"/>
           </a:p>
@@ -2705,7 +2705,7 @@
             <a:fld id="{45B83DA8-C0AD-4132-B5BD-3FD6411679B0}" type="datetimeFigureOut">
               <a:rPr lang="es-AR" smtClean="0"/>
               <a:pPr/>
-              <a:t>06/09/2012</a:t>
+              <a:t>18/09/2012</a:t>
             </a:fld>
             <a:endParaRPr lang="es-AR"/>
           </a:p>
@@ -3110,7 +3110,7 @@
       </p:pic>
       <p:pic>
         <p:nvPicPr>
-          <p:cNvPr id="16" name="Picture 2" descr="C:\Users\Cabezon\Desktop\MUÑECO.png"/>
+          <p:cNvPr id="1026" name="Picture 2" descr="C:\Users\Public\Proyecto Code\Presentación Comercial\logo-una-linea.png"/>
           <p:cNvPicPr>
             <a:picLocks noChangeAspect="1" noChangeArrowheads="1"/>
           </p:cNvPicPr>
@@ -3125,8 +3125,8 @@
         </p:blipFill>
         <p:spPr bwMode="auto">
           <a:xfrm>
-            <a:off x="323528" y="476672"/>
-            <a:ext cx="2981096" cy="2778932"/>
+            <a:off x="971600" y="5818296"/>
+            <a:ext cx="7128792" cy="1039704"/>
           </a:xfrm>
           <a:prstGeom prst="rect">
             <a:avLst/>
@@ -3136,7 +3136,7 @@
       </p:pic>
       <p:pic>
         <p:nvPicPr>
-          <p:cNvPr id="15" name="Picture 3" descr="C:\Users\Cabezon\Desktop\PosterEntregado.png"/>
+          <p:cNvPr id="1027" name="Picture 3" descr="gI__-K27lkivz1z3m76Jh4c6wNBQqDSBsS1GopNPWcg-yTjFWnMTyHZBFHCl1bsRa9i-yCu7Q5erK3VjDVGWPQbhD6mIcoWEQUn4HZg-fBQtfDV5EvE"/>
           <p:cNvPicPr>
             <a:picLocks noChangeAspect="1" noChangeArrowheads="1"/>
           </p:cNvPicPr>
@@ -3151,15 +3151,52 @@
         </p:blipFill>
         <p:spPr bwMode="auto">
           <a:xfrm>
-            <a:off x="-189061" y="5445224"/>
-            <a:ext cx="9333061" cy="1584176"/>
+            <a:off x="251520" y="188640"/>
+            <a:ext cx="1800200" cy="1772218"/>
           </a:xfrm>
           <a:prstGeom prst="rect">
             <a:avLst/>
           </a:prstGeom>
           <a:noFill/>
+          <a:ln w="9525">
+            <a:noFill/>
+            <a:miter lim="800000"/>
+            <a:headEnd/>
+            <a:tailEnd/>
+          </a:ln>
         </p:spPr>
       </p:pic>
+      <p:sp>
+        <p:nvSpPr>
+          <p:cNvPr id="7" name="6 CuadroTexto"/>
+          <p:cNvSpPr txBox="1"/>
+          <p:nvPr/>
+        </p:nvSpPr>
+        <p:spPr>
+          <a:xfrm>
+            <a:off x="251520" y="1916832"/>
+            <a:ext cx="1793102" cy="461665"/>
+          </a:xfrm>
+          <a:prstGeom prst="rect">
+            <a:avLst/>
+          </a:prstGeom>
+          <a:noFill/>
+        </p:spPr>
+        <p:txBody>
+          <a:bodyPr wrap="square" rtlCol="0">
+            <a:spAutoFit/>
+          </a:bodyPr>
+          <a:lstStyle/>
+          <a:p>
+            <a:pPr algn="ctr"/>
+            <a:r>
+              <a:rPr lang="es-AR" sz="2400" b="1" dirty="0" smtClean="0"/>
+              <a:t>men@work</a:t>
+            </a:r>
+            <a:endParaRPr lang="es-AR" sz="2400" b="1" dirty="0"/>
+          </a:p>
+        </p:txBody>
+      </p:sp>
     </p:spTree>
   </p:cSld>
   <p:clrMapOvr>
@@ -3185,6 +3222,32 @@
           <a:chExt cx="0" cy="0"/>
         </a:xfrm>
       </p:grpSpPr>
+      <p:pic>
+        <p:nvPicPr>
+          <p:cNvPr id="17" name="Picture 2" descr="C:\Users\Public\Proyecto Code\Presentación Comercial\logo-una-linea.png"/>
+          <p:cNvPicPr>
+            <a:picLocks noChangeAspect="1" noChangeArrowheads="1"/>
+          </p:cNvPicPr>
+          <p:nvPr/>
+        </p:nvPicPr>
+        <p:blipFill>
+          <a:blip r:embed="rId2" cstate="print"/>
+          <a:srcRect/>
+          <a:stretch>
+            <a:fillRect/>
+          </a:stretch>
+        </p:blipFill>
+        <p:spPr bwMode="auto">
+          <a:xfrm>
+            <a:off x="4644008" y="6201694"/>
+            <a:ext cx="4499992" cy="656305"/>
+          </a:xfrm>
+          <a:prstGeom prst="rect">
+            <a:avLst/>
+          </a:prstGeom>
+          <a:noFill/>
+        </p:spPr>
+      </p:pic>
       <p:sp>
         <p:nvSpPr>
           <p:cNvPr id="15" name="14 Rectángulo"/>
@@ -3469,32 +3532,6 @@
           </a:p>
         </p:txBody>
       </p:sp>
-      <p:pic>
-        <p:nvPicPr>
-          <p:cNvPr id="11" name="Picture 3" descr="C:\Users\Cabezon\Desktop\PosterEntregado.png"/>
-          <p:cNvPicPr>
-            <a:picLocks noChangeAspect="1" noChangeArrowheads="1"/>
-          </p:cNvPicPr>
-          <p:nvPr/>
-        </p:nvPicPr>
-        <p:blipFill>
-          <a:blip r:embed="rId2" cstate="print"/>
-          <a:srcRect/>
-          <a:stretch>
-            <a:fillRect/>
-          </a:stretch>
-        </p:blipFill>
-        <p:spPr bwMode="auto">
-          <a:xfrm>
-            <a:off x="5422107" y="6226253"/>
-            <a:ext cx="3721893" cy="631747"/>
-          </a:xfrm>
-          <a:prstGeom prst="rect">
-            <a:avLst/>
-          </a:prstGeom>
-          <a:noFill/>
-        </p:spPr>
-      </p:pic>
       <p:sp>
         <p:nvSpPr>
           <p:cNvPr id="18" name="17 Flecha circular"/>
@@ -3717,7 +3754,7 @@
       </p:sp>
       <p:pic>
         <p:nvPicPr>
-          <p:cNvPr id="22" name="Picture 2" descr="C:\Users\Cabezon\Desktop\MUÑECO.png"/>
+          <p:cNvPr id="23" name="Picture 3" descr="gI__-K27lkivz1z3m76Jh4c6wNBQqDSBsS1GopNPWcg-yTjFWnMTyHZBFHCl1bsRa9i-yCu7Q5erK3VjDVGWPQbhD6mIcoWEQUn4HZg-fBQtfDV5EvE"/>
           <p:cNvPicPr>
             <a:picLocks noChangeAspect="1" noChangeArrowheads="1"/>
           </p:cNvPicPr>
@@ -3732,13 +3769,19 @@
         </p:blipFill>
         <p:spPr bwMode="auto">
           <a:xfrm>
-            <a:off x="141700" y="82625"/>
-            <a:ext cx="1117932" cy="1042119"/>
+            <a:off x="35496" y="44624"/>
+            <a:ext cx="1024030" cy="1008112"/>
           </a:xfrm>
           <a:prstGeom prst="rect">
             <a:avLst/>
           </a:prstGeom>
           <a:noFill/>
+          <a:ln w="9525">
+            <a:noFill/>
+            <a:miter lim="800000"/>
+            <a:headEnd/>
+            <a:tailEnd/>
+          </a:ln>
         </p:spPr>
       </p:pic>
     </p:spTree>
@@ -4076,58 +4119,6 @@
           </a:p>
         </p:txBody>
       </p:sp>
-      <p:pic>
-        <p:nvPicPr>
-          <p:cNvPr id="13" name="Picture 3" descr="C:\Users\Cabezon\Desktop\PosterEntregado.png"/>
-          <p:cNvPicPr>
-            <a:picLocks noChangeAspect="1" noChangeArrowheads="1"/>
-          </p:cNvPicPr>
-          <p:nvPr/>
-        </p:nvPicPr>
-        <p:blipFill>
-          <a:blip r:embed="rId2" cstate="print"/>
-          <a:srcRect/>
-          <a:stretch>
-            <a:fillRect/>
-          </a:stretch>
-        </p:blipFill>
-        <p:spPr bwMode="auto">
-          <a:xfrm>
-            <a:off x="5422107" y="6226253"/>
-            <a:ext cx="3721893" cy="631747"/>
-          </a:xfrm>
-          <a:prstGeom prst="rect">
-            <a:avLst/>
-          </a:prstGeom>
-          <a:noFill/>
-        </p:spPr>
-      </p:pic>
-      <p:pic>
-        <p:nvPicPr>
-          <p:cNvPr id="2050" name="Picture 2" descr="C:\Users\Cabezon\Desktop\MUÑECO.png"/>
-          <p:cNvPicPr>
-            <a:picLocks noChangeAspect="1" noChangeArrowheads="1"/>
-          </p:cNvPicPr>
-          <p:nvPr/>
-        </p:nvPicPr>
-        <p:blipFill>
-          <a:blip r:embed="rId3" cstate="print"/>
-          <a:srcRect/>
-          <a:stretch>
-            <a:fillRect/>
-          </a:stretch>
-        </p:blipFill>
-        <p:spPr bwMode="auto">
-          <a:xfrm>
-            <a:off x="141700" y="82625"/>
-            <a:ext cx="1117932" cy="1042119"/>
-          </a:xfrm>
-          <a:prstGeom prst="rect">
-            <a:avLst/>
-          </a:prstGeom>
-          <a:noFill/>
-        </p:spPr>
-      </p:pic>
       <p:sp>
         <p:nvSpPr>
           <p:cNvPr id="16" name="15 Rectángulo redondeado"/>
@@ -4238,6 +4229,64 @@
           </a:p>
         </p:txBody>
       </p:sp>
+      <p:pic>
+        <p:nvPicPr>
+          <p:cNvPr id="15" name="Picture 2" descr="C:\Users\Public\Proyecto Code\Presentación Comercial\logo-una-linea.png"/>
+          <p:cNvPicPr>
+            <a:picLocks noChangeAspect="1" noChangeArrowheads="1"/>
+          </p:cNvPicPr>
+          <p:nvPr/>
+        </p:nvPicPr>
+        <p:blipFill>
+          <a:blip r:embed="rId2" cstate="print"/>
+          <a:srcRect/>
+          <a:stretch>
+            <a:fillRect/>
+          </a:stretch>
+        </p:blipFill>
+        <p:spPr bwMode="auto">
+          <a:xfrm>
+            <a:off x="4644008" y="6201694"/>
+            <a:ext cx="4499992" cy="656305"/>
+          </a:xfrm>
+          <a:prstGeom prst="rect">
+            <a:avLst/>
+          </a:prstGeom>
+          <a:noFill/>
+        </p:spPr>
+      </p:pic>
+      <p:pic>
+        <p:nvPicPr>
+          <p:cNvPr id="17" name="Picture 3" descr="gI__-K27lkivz1z3m76Jh4c6wNBQqDSBsS1GopNPWcg-yTjFWnMTyHZBFHCl1bsRa9i-yCu7Q5erK3VjDVGWPQbhD6mIcoWEQUn4HZg-fBQtfDV5EvE"/>
+          <p:cNvPicPr>
+            <a:picLocks noChangeAspect="1" noChangeArrowheads="1"/>
+          </p:cNvPicPr>
+          <p:nvPr/>
+        </p:nvPicPr>
+        <p:blipFill>
+          <a:blip r:embed="rId3" cstate="print"/>
+          <a:srcRect/>
+          <a:stretch>
+            <a:fillRect/>
+          </a:stretch>
+        </p:blipFill>
+        <p:spPr bwMode="auto">
+          <a:xfrm>
+            <a:off x="35496" y="44624"/>
+            <a:ext cx="1024030" cy="1008112"/>
+          </a:xfrm>
+          <a:prstGeom prst="rect">
+            <a:avLst/>
+          </a:prstGeom>
+          <a:noFill/>
+          <a:ln w="9525">
+            <a:noFill/>
+            <a:miter lim="800000"/>
+            <a:headEnd/>
+            <a:tailEnd/>
+          </a:ln>
+        </p:spPr>
+      </p:pic>
     </p:spTree>
   </p:cSld>
   <p:clrMapOvr>
@@ -4481,58 +4530,6 @@
           </a:p>
         </p:txBody>
       </p:sp>
-      <p:pic>
-        <p:nvPicPr>
-          <p:cNvPr id="11" name="Picture 3" descr="C:\Users\Cabezon\Desktop\PosterEntregado.png"/>
-          <p:cNvPicPr>
-            <a:picLocks noChangeAspect="1" noChangeArrowheads="1"/>
-          </p:cNvPicPr>
-          <p:nvPr/>
-        </p:nvPicPr>
-        <p:blipFill>
-          <a:blip r:embed="rId2" cstate="print"/>
-          <a:srcRect/>
-          <a:stretch>
-            <a:fillRect/>
-          </a:stretch>
-        </p:blipFill>
-        <p:spPr bwMode="auto">
-          <a:xfrm>
-            <a:off x="5422107" y="6226253"/>
-            <a:ext cx="3721893" cy="631747"/>
-          </a:xfrm>
-          <a:prstGeom prst="rect">
-            <a:avLst/>
-          </a:prstGeom>
-          <a:noFill/>
-        </p:spPr>
-      </p:pic>
-      <p:pic>
-        <p:nvPicPr>
-          <p:cNvPr id="12" name="Picture 2" descr="C:\Users\Cabezon\Desktop\MUÑECO.png"/>
-          <p:cNvPicPr>
-            <a:picLocks noChangeAspect="1" noChangeArrowheads="1"/>
-          </p:cNvPicPr>
-          <p:nvPr/>
-        </p:nvPicPr>
-        <p:blipFill>
-          <a:blip r:embed="rId3" cstate="print"/>
-          <a:srcRect/>
-          <a:stretch>
-            <a:fillRect/>
-          </a:stretch>
-        </p:blipFill>
-        <p:spPr bwMode="auto">
-          <a:xfrm>
-            <a:off x="141700" y="82625"/>
-            <a:ext cx="1117932" cy="1042119"/>
-          </a:xfrm>
-          <a:prstGeom prst="rect">
-            <a:avLst/>
-          </a:prstGeom>
-          <a:noFill/>
-        </p:spPr>
-      </p:pic>
       <p:sp>
         <p:nvSpPr>
           <p:cNvPr id="13" name="3 Título"/>
@@ -4759,7 +4756,7 @@
           <p:nvPr/>
         </p:nvPicPr>
         <p:blipFill>
-          <a:blip r:embed="rId4" cstate="print"/>
+          <a:blip r:embed="rId2" cstate="print"/>
           <a:srcRect/>
           <a:stretch>
             <a:fillRect/>
@@ -4785,7 +4782,7 @@
           <p:nvPr/>
         </p:nvPicPr>
         <p:blipFill>
-          <a:blip r:embed="rId4" cstate="print"/>
+          <a:blip r:embed="rId2" cstate="print"/>
           <a:srcRect/>
           <a:stretch>
             <a:fillRect/>
@@ -4927,6 +4924,64 @@
           </a:p>
         </p:txBody>
       </p:sp>
+      <p:pic>
+        <p:nvPicPr>
+          <p:cNvPr id="17" name="Picture 2" descr="C:\Users\Public\Proyecto Code\Presentación Comercial\logo-una-linea.png"/>
+          <p:cNvPicPr>
+            <a:picLocks noChangeAspect="1" noChangeArrowheads="1"/>
+          </p:cNvPicPr>
+          <p:nvPr/>
+        </p:nvPicPr>
+        <p:blipFill>
+          <a:blip r:embed="rId3" cstate="print"/>
+          <a:srcRect/>
+          <a:stretch>
+            <a:fillRect/>
+          </a:stretch>
+        </p:blipFill>
+        <p:spPr bwMode="auto">
+          <a:xfrm>
+            <a:off x="4644008" y="6201694"/>
+            <a:ext cx="4499992" cy="656305"/>
+          </a:xfrm>
+          <a:prstGeom prst="rect">
+            <a:avLst/>
+          </a:prstGeom>
+          <a:noFill/>
+        </p:spPr>
+      </p:pic>
+      <p:pic>
+        <p:nvPicPr>
+          <p:cNvPr id="18" name="Picture 3" descr="gI__-K27lkivz1z3m76Jh4c6wNBQqDSBsS1GopNPWcg-yTjFWnMTyHZBFHCl1bsRa9i-yCu7Q5erK3VjDVGWPQbhD6mIcoWEQUn4HZg-fBQtfDV5EvE"/>
+          <p:cNvPicPr>
+            <a:picLocks noChangeAspect="1" noChangeArrowheads="1"/>
+          </p:cNvPicPr>
+          <p:nvPr/>
+        </p:nvPicPr>
+        <p:blipFill>
+          <a:blip r:embed="rId4" cstate="print"/>
+          <a:srcRect/>
+          <a:stretch>
+            <a:fillRect/>
+          </a:stretch>
+        </p:blipFill>
+        <p:spPr bwMode="auto">
+          <a:xfrm>
+            <a:off x="35496" y="44624"/>
+            <a:ext cx="1024030" cy="1008112"/>
+          </a:xfrm>
+          <a:prstGeom prst="rect">
+            <a:avLst/>
+          </a:prstGeom>
+          <a:noFill/>
+          <a:ln w="9525">
+            <a:noFill/>
+            <a:miter lim="800000"/>
+            <a:headEnd/>
+            <a:tailEnd/>
+          </a:ln>
+        </p:spPr>
+      </p:pic>
     </p:spTree>
   </p:cSld>
   <p:clrMapOvr>
@@ -5069,58 +5124,6 @@
           </a:p>
         </p:txBody>
       </p:sp>
-      <p:pic>
-        <p:nvPicPr>
-          <p:cNvPr id="11" name="Picture 3" descr="C:\Users\Cabezon\Desktop\PosterEntregado.png"/>
-          <p:cNvPicPr>
-            <a:picLocks noChangeAspect="1" noChangeArrowheads="1"/>
-          </p:cNvPicPr>
-          <p:nvPr/>
-        </p:nvPicPr>
-        <p:blipFill>
-          <a:blip r:embed="rId2" cstate="print"/>
-          <a:srcRect/>
-          <a:stretch>
-            <a:fillRect/>
-          </a:stretch>
-        </p:blipFill>
-        <p:spPr bwMode="auto">
-          <a:xfrm>
-            <a:off x="5422107" y="6226253"/>
-            <a:ext cx="3721893" cy="631747"/>
-          </a:xfrm>
-          <a:prstGeom prst="rect">
-            <a:avLst/>
-          </a:prstGeom>
-          <a:noFill/>
-        </p:spPr>
-      </p:pic>
-      <p:pic>
-        <p:nvPicPr>
-          <p:cNvPr id="12" name="Picture 2" descr="C:\Users\Cabezon\Desktop\MUÑECO.png"/>
-          <p:cNvPicPr>
-            <a:picLocks noChangeAspect="1" noChangeArrowheads="1"/>
-          </p:cNvPicPr>
-          <p:nvPr/>
-        </p:nvPicPr>
-        <p:blipFill>
-          <a:blip r:embed="rId3" cstate="print"/>
-          <a:srcRect/>
-          <a:stretch>
-            <a:fillRect/>
-          </a:stretch>
-        </p:blipFill>
-        <p:spPr bwMode="auto">
-          <a:xfrm>
-            <a:off x="141700" y="82625"/>
-            <a:ext cx="1117932" cy="1042119"/>
-          </a:xfrm>
-          <a:prstGeom prst="rect">
-            <a:avLst/>
-          </a:prstGeom>
-          <a:noFill/>
-        </p:spPr>
-      </p:pic>
       <p:sp>
         <p:nvSpPr>
           <p:cNvPr id="8" name="7 Rectángulo redondeado"/>
@@ -5345,7 +5348,7 @@
           <p:nvPr/>
         </p:nvPicPr>
         <p:blipFill>
-          <a:blip r:embed="rId4" cstate="print"/>
+          <a:blip r:embed="rId2" cstate="print"/>
           <a:srcRect/>
           <a:stretch>
             <a:fillRect/>
@@ -5365,6 +5368,93 @@
       <p:pic>
         <p:nvPicPr>
           <p:cNvPr id="20" name="Picture 4" descr="C:\Users\Cabezon\Desktop\dollar_currency_sign.png"/>
+          <p:cNvPicPr>
+            <a:picLocks noChangeAspect="1" noChangeArrowheads="1"/>
+          </p:cNvPicPr>
+          <p:nvPr/>
+        </p:nvPicPr>
+        <p:blipFill>
+          <a:blip r:embed="rId2" cstate="print"/>
+          <a:srcRect/>
+          <a:stretch>
+            <a:fillRect/>
+          </a:stretch>
+        </p:blipFill>
+        <p:spPr bwMode="auto">
+          <a:xfrm>
+            <a:off x="7938392" y="1988840"/>
+            <a:ext cx="486544" cy="486544"/>
+          </a:xfrm>
+          <a:prstGeom prst="rect">
+            <a:avLst/>
+          </a:prstGeom>
+          <a:noFill/>
+        </p:spPr>
+      </p:pic>
+      <p:sp>
+        <p:nvSpPr>
+          <p:cNvPr id="25" name="24 Rectángulo"/>
+          <p:cNvSpPr/>
+          <p:nvPr/>
+        </p:nvSpPr>
+        <p:spPr>
+          <a:xfrm rot="2240385">
+            <a:off x="137717" y="3087512"/>
+            <a:ext cx="8950155" cy="830997"/>
+          </a:xfrm>
+          <a:prstGeom prst="rect">
+            <a:avLst/>
+          </a:prstGeom>
+        </p:spPr>
+        <p:txBody>
+          <a:bodyPr wrap="square">
+            <a:spAutoFit/>
+          </a:bodyPr>
+          <a:lstStyle/>
+          <a:p>
+            <a:pPr algn="ctr"/>
+            <a:r>
+              <a:rPr lang="es-AR" sz="4800" dirty="0" smtClean="0">
+                <a:solidFill>
+                  <a:schemeClr val="bg1"/>
+                </a:solidFill>
+                <a:latin typeface="Kozuka Gothic Pr6N B" pitchFamily="34" charset="-128"/>
+                <a:ea typeface="Kozuka Gothic Pr6N B" pitchFamily="34" charset="-128"/>
+              </a:rPr>
+              <a:t>CONTACTO + ENTREVISTAS</a:t>
+            </a:r>
+          </a:p>
+        </p:txBody>
+      </p:sp>
+      <p:pic>
+        <p:nvPicPr>
+          <p:cNvPr id="21" name="Picture 2" descr="C:\Users\Public\Proyecto Code\Presentación Comercial\logo-una-linea.png"/>
+          <p:cNvPicPr>
+            <a:picLocks noChangeAspect="1" noChangeArrowheads="1"/>
+          </p:cNvPicPr>
+          <p:nvPr/>
+        </p:nvPicPr>
+        <p:blipFill>
+          <a:blip r:embed="rId3" cstate="print"/>
+          <a:srcRect/>
+          <a:stretch>
+            <a:fillRect/>
+          </a:stretch>
+        </p:blipFill>
+        <p:spPr bwMode="auto">
+          <a:xfrm>
+            <a:off x="4644008" y="6201694"/>
+            <a:ext cx="4499992" cy="656305"/>
+          </a:xfrm>
+          <a:prstGeom prst="rect">
+            <a:avLst/>
+          </a:prstGeom>
+          <a:noFill/>
+        </p:spPr>
+      </p:pic>
+      <p:pic>
+        <p:nvPicPr>
+          <p:cNvPr id="22" name="Picture 3" descr="gI__-K27lkivz1z3m76Jh4c6wNBQqDSBsS1GopNPWcg-yTjFWnMTyHZBFHCl1bsRa9i-yCu7Q5erK3VjDVGWPQbhD6mIcoWEQUn4HZg-fBQtfDV5EvE"/>
           <p:cNvPicPr>
             <a:picLocks noChangeAspect="1" noChangeArrowheads="1"/>
           </p:cNvPicPr>
@@ -5379,50 +5469,21 @@
         </p:blipFill>
         <p:spPr bwMode="auto">
           <a:xfrm>
-            <a:off x="7938392" y="1988840"/>
-            <a:ext cx="486544" cy="486544"/>
+            <a:off x="35496" y="44624"/>
+            <a:ext cx="1024030" cy="1008112"/>
           </a:xfrm>
           <a:prstGeom prst="rect">
             <a:avLst/>
           </a:prstGeom>
           <a:noFill/>
+          <a:ln w="9525">
+            <a:noFill/>
+            <a:miter lim="800000"/>
+            <a:headEnd/>
+            <a:tailEnd/>
+          </a:ln>
         </p:spPr>
       </p:pic>
-      <p:sp>
-        <p:nvSpPr>
-          <p:cNvPr id="25" name="24 Rectángulo"/>
-          <p:cNvSpPr/>
-          <p:nvPr/>
-        </p:nvSpPr>
-        <p:spPr>
-          <a:xfrm rot="2240385">
-            <a:off x="137717" y="3087512"/>
-            <a:ext cx="8950155" cy="830997"/>
-          </a:xfrm>
-          <a:prstGeom prst="rect">
-            <a:avLst/>
-          </a:prstGeom>
-        </p:spPr>
-        <p:txBody>
-          <a:bodyPr wrap="square">
-            <a:spAutoFit/>
-          </a:bodyPr>
-          <a:lstStyle/>
-          <a:p>
-            <a:pPr algn="ctr"/>
-            <a:r>
-              <a:rPr lang="es-AR" sz="4800" dirty="0" smtClean="0">
-                <a:solidFill>
-                  <a:schemeClr val="bg1"/>
-                </a:solidFill>
-                <a:latin typeface="Kozuka Gothic Pr6N B" pitchFamily="34" charset="-128"/>
-                <a:ea typeface="Kozuka Gothic Pr6N B" pitchFamily="34" charset="-128"/>
-              </a:rPr>
-              <a:t>CONTACTO + ENTREVISTAS</a:t>
-            </a:r>
-          </a:p>
-        </p:txBody>
-      </p:sp>
     </p:spTree>
   </p:cSld>
   <p:clrMapOvr>
@@ -5526,58 +5587,6 @@
       </p:sp>
       <p:pic>
         <p:nvPicPr>
-          <p:cNvPr id="15" name="Picture 3" descr="C:\Users\Cabezon\Desktop\PosterEntregado.png"/>
-          <p:cNvPicPr>
-            <a:picLocks noChangeAspect="1" noChangeArrowheads="1"/>
-          </p:cNvPicPr>
-          <p:nvPr/>
-        </p:nvPicPr>
-        <p:blipFill>
-          <a:blip r:embed="rId2" cstate="print"/>
-          <a:srcRect/>
-          <a:stretch>
-            <a:fillRect/>
-          </a:stretch>
-        </p:blipFill>
-        <p:spPr bwMode="auto">
-          <a:xfrm>
-            <a:off x="5422107" y="6226253"/>
-            <a:ext cx="3721893" cy="631747"/>
-          </a:xfrm>
-          <a:prstGeom prst="rect">
-            <a:avLst/>
-          </a:prstGeom>
-          <a:noFill/>
-        </p:spPr>
-      </p:pic>
-      <p:pic>
-        <p:nvPicPr>
-          <p:cNvPr id="16" name="Picture 2" descr="C:\Users\Cabezon\Desktop\MUÑECO.png"/>
-          <p:cNvPicPr>
-            <a:picLocks noChangeAspect="1" noChangeArrowheads="1"/>
-          </p:cNvPicPr>
-          <p:nvPr/>
-        </p:nvPicPr>
-        <p:blipFill>
-          <a:blip r:embed="rId3" cstate="print"/>
-          <a:srcRect/>
-          <a:stretch>
-            <a:fillRect/>
-          </a:stretch>
-        </p:blipFill>
-        <p:spPr bwMode="auto">
-          <a:xfrm>
-            <a:off x="141700" y="82625"/>
-            <a:ext cx="1117932" cy="1042119"/>
-          </a:xfrm>
-          <a:prstGeom prst="rect">
-            <a:avLst/>
-          </a:prstGeom>
-          <a:noFill/>
-        </p:spPr>
-      </p:pic>
-      <p:pic>
-        <p:nvPicPr>
           <p:cNvPr id="1026" name="Picture 2" descr="C:\Users\Cabezon\Desktop\celular.png"/>
           <p:cNvPicPr>
             <a:picLocks noChangeAspect="1" noChangeArrowheads="1"/>
@@ -5585,7 +5594,7 @@
           <p:nvPr/>
         </p:nvPicPr>
         <p:blipFill>
-          <a:blip r:embed="rId4" cstate="print"/>
+          <a:blip r:embed="rId2" cstate="print"/>
           <a:srcRect/>
           <a:stretch>
             <a:fillRect/>
@@ -5848,6 +5857,64 @@
           </a:p>
         </p:txBody>
       </p:sp>
+      <p:pic>
+        <p:nvPicPr>
+          <p:cNvPr id="11" name="Picture 2" descr="C:\Users\Public\Proyecto Code\Presentación Comercial\logo-una-linea.png"/>
+          <p:cNvPicPr>
+            <a:picLocks noChangeAspect="1" noChangeArrowheads="1"/>
+          </p:cNvPicPr>
+          <p:nvPr/>
+        </p:nvPicPr>
+        <p:blipFill>
+          <a:blip r:embed="rId3" cstate="print"/>
+          <a:srcRect/>
+          <a:stretch>
+            <a:fillRect/>
+          </a:stretch>
+        </p:blipFill>
+        <p:spPr bwMode="auto">
+          <a:xfrm>
+            <a:off x="4644008" y="6201694"/>
+            <a:ext cx="4499992" cy="656305"/>
+          </a:xfrm>
+          <a:prstGeom prst="rect">
+            <a:avLst/>
+          </a:prstGeom>
+          <a:noFill/>
+        </p:spPr>
+      </p:pic>
+      <p:pic>
+        <p:nvPicPr>
+          <p:cNvPr id="12" name="Picture 3" descr="gI__-K27lkivz1z3m76Jh4c6wNBQqDSBsS1GopNPWcg-yTjFWnMTyHZBFHCl1bsRa9i-yCu7Q5erK3VjDVGWPQbhD6mIcoWEQUn4HZg-fBQtfDV5EvE"/>
+          <p:cNvPicPr>
+            <a:picLocks noChangeAspect="1" noChangeArrowheads="1"/>
+          </p:cNvPicPr>
+          <p:nvPr/>
+        </p:nvPicPr>
+        <p:blipFill>
+          <a:blip r:embed="rId4" cstate="print"/>
+          <a:srcRect/>
+          <a:stretch>
+            <a:fillRect/>
+          </a:stretch>
+        </p:blipFill>
+        <p:spPr bwMode="auto">
+          <a:xfrm>
+            <a:off x="35496" y="44624"/>
+            <a:ext cx="1024030" cy="1008112"/>
+          </a:xfrm>
+          <a:prstGeom prst="rect">
+            <a:avLst/>
+          </a:prstGeom>
+          <a:noFill/>
+          <a:ln w="9525">
+            <a:noFill/>
+            <a:miter lim="800000"/>
+            <a:headEnd/>
+            <a:tailEnd/>
+          </a:ln>
+        </p:spPr>
+      </p:pic>
     </p:spTree>
   </p:cSld>
   <p:clrMapOvr>
@@ -5873,136 +5940,6 @@
           <a:chExt cx="0" cy="0"/>
         </a:xfrm>
       </p:grpSpPr>
-      <p:pic>
-        <p:nvPicPr>
-          <p:cNvPr id="15" name="Picture 3" descr="C:\Users\Cabezon\Desktop\PosterEntregado.png"/>
-          <p:cNvPicPr>
-            <a:picLocks noChangeAspect="1" noChangeArrowheads="1"/>
-          </p:cNvPicPr>
-          <p:nvPr/>
-        </p:nvPicPr>
-        <p:blipFill>
-          <a:blip r:embed="rId2" cstate="print"/>
-          <a:srcRect/>
-          <a:stretch>
-            <a:fillRect/>
-          </a:stretch>
-        </p:blipFill>
-        <p:spPr bwMode="auto">
-          <a:xfrm>
-            <a:off x="5422107" y="6226253"/>
-            <a:ext cx="3721893" cy="631747"/>
-          </a:xfrm>
-          <a:prstGeom prst="rect">
-            <a:avLst/>
-          </a:prstGeom>
-          <a:noFill/>
-        </p:spPr>
-      </p:pic>
-      <p:pic>
-        <p:nvPicPr>
-          <p:cNvPr id="16" name="Picture 2" descr="C:\Users\Cabezon\Desktop\MUÑECO.png"/>
-          <p:cNvPicPr>
-            <a:picLocks noChangeAspect="1" noChangeArrowheads="1"/>
-          </p:cNvPicPr>
-          <p:nvPr/>
-        </p:nvPicPr>
-        <p:blipFill>
-          <a:blip r:embed="rId3" cstate="print"/>
-          <a:srcRect/>
-          <a:stretch>
-            <a:fillRect/>
-          </a:stretch>
-        </p:blipFill>
-        <p:spPr bwMode="auto">
-          <a:xfrm>
-            <a:off x="141700" y="82625"/>
-            <a:ext cx="1117932" cy="1042119"/>
-          </a:xfrm>
-          <a:prstGeom prst="rect">
-            <a:avLst/>
-          </a:prstGeom>
-          <a:noFill/>
-        </p:spPr>
-      </p:pic>
-      <p:pic>
-        <p:nvPicPr>
-          <p:cNvPr id="3078" name="Picture 6" descr="C:\Users\Cabezon\Desktop\Perfil.png"/>
-          <p:cNvPicPr>
-            <a:picLocks noChangeAspect="1" noChangeArrowheads="1"/>
-          </p:cNvPicPr>
-          <p:nvPr/>
-        </p:nvPicPr>
-        <p:blipFill>
-          <a:blip r:embed="rId4" cstate="print"/>
-          <a:srcRect/>
-          <a:stretch>
-            <a:fillRect/>
-          </a:stretch>
-        </p:blipFill>
-        <p:spPr bwMode="auto">
-          <a:xfrm>
-            <a:off x="0" y="2132856"/>
-            <a:ext cx="4926013" cy="1660525"/>
-          </a:xfrm>
-          <a:prstGeom prst="rect">
-            <a:avLst/>
-          </a:prstGeom>
-          <a:noFill/>
-        </p:spPr>
-      </p:pic>
-      <p:pic>
-        <p:nvPicPr>
-          <p:cNvPr id="3079" name="Picture 7" descr="C:\Users\Cabezon\Desktop\Buscar2.png"/>
-          <p:cNvPicPr>
-            <a:picLocks noChangeAspect="1" noChangeArrowheads="1"/>
-          </p:cNvPicPr>
-          <p:nvPr/>
-        </p:nvPicPr>
-        <p:blipFill>
-          <a:blip r:embed="rId5" cstate="print"/>
-          <a:srcRect/>
-          <a:stretch>
-            <a:fillRect/>
-          </a:stretch>
-        </p:blipFill>
-        <p:spPr bwMode="auto">
-          <a:xfrm flipH="1">
-            <a:off x="4459487" y="332656"/>
-            <a:ext cx="4684513" cy="1901825"/>
-          </a:xfrm>
-          <a:prstGeom prst="rect">
-            <a:avLst/>
-          </a:prstGeom>
-          <a:noFill/>
-        </p:spPr>
-      </p:pic>
-      <p:pic>
-        <p:nvPicPr>
-          <p:cNvPr id="3080" name="Picture 8" descr="C:\Users\Public\Proyecto Code\Poster\f_57a0cf95601e.png"/>
-          <p:cNvPicPr>
-            <a:picLocks noChangeAspect="1" noChangeArrowheads="1"/>
-          </p:cNvPicPr>
-          <p:nvPr/>
-        </p:nvPicPr>
-        <p:blipFill>
-          <a:blip r:embed="rId6" cstate="print"/>
-          <a:srcRect/>
-          <a:stretch>
-            <a:fillRect/>
-          </a:stretch>
-        </p:blipFill>
-        <p:spPr bwMode="auto">
-          <a:xfrm>
-            <a:off x="5076056" y="1196752"/>
-            <a:ext cx="3923928" cy="3935469"/>
-          </a:xfrm>
-          <a:prstGeom prst="rect">
-            <a:avLst/>
-          </a:prstGeom>
-          <a:noFill/>
-        </p:spPr>
-      </p:pic>
       <p:sp>
         <p:nvSpPr>
           <p:cNvPr id="11" name="10 Flecha arriba y abajo"/>
@@ -6050,7 +5987,7 @@
           <p:nvPr/>
         </p:nvPicPr>
         <p:blipFill>
-          <a:blip r:embed="rId7" cstate="print"/>
+          <a:blip r:embed="rId2" cstate="print"/>
           <a:srcRect/>
           <a:stretch>
             <a:fillRect/>
@@ -6060,6 +5997,116 @@
           <a:xfrm>
             <a:off x="971600" y="5013176"/>
             <a:ext cx="3456384" cy="976380"/>
+          </a:xfrm>
+          <a:prstGeom prst="rect">
+            <a:avLst/>
+          </a:prstGeom>
+          <a:noFill/>
+        </p:spPr>
+      </p:pic>
+      <p:pic>
+        <p:nvPicPr>
+          <p:cNvPr id="9" name="Picture 2" descr="C:\Users\Public\Proyecto Code\Presentación Comercial\logo-una-linea.png"/>
+          <p:cNvPicPr>
+            <a:picLocks noChangeAspect="1" noChangeArrowheads="1"/>
+          </p:cNvPicPr>
+          <p:nvPr/>
+        </p:nvPicPr>
+        <p:blipFill>
+          <a:blip r:embed="rId3" cstate="print"/>
+          <a:srcRect/>
+          <a:stretch>
+            <a:fillRect/>
+          </a:stretch>
+        </p:blipFill>
+        <p:spPr bwMode="auto">
+          <a:xfrm>
+            <a:off x="4644008" y="6201694"/>
+            <a:ext cx="4499992" cy="656305"/>
+          </a:xfrm>
+          <a:prstGeom prst="rect">
+            <a:avLst/>
+          </a:prstGeom>
+          <a:noFill/>
+        </p:spPr>
+      </p:pic>
+      <p:pic>
+        <p:nvPicPr>
+          <p:cNvPr id="10" name="Picture 3" descr="gI__-K27lkivz1z3m76Jh4c6wNBQqDSBsS1GopNPWcg-yTjFWnMTyHZBFHCl1bsRa9i-yCu7Q5erK3VjDVGWPQbhD6mIcoWEQUn4HZg-fBQtfDV5EvE"/>
+          <p:cNvPicPr>
+            <a:picLocks noChangeAspect="1" noChangeArrowheads="1"/>
+          </p:cNvPicPr>
+          <p:nvPr/>
+        </p:nvPicPr>
+        <p:blipFill>
+          <a:blip r:embed="rId4" cstate="print"/>
+          <a:srcRect/>
+          <a:stretch>
+            <a:fillRect/>
+          </a:stretch>
+        </p:blipFill>
+        <p:spPr bwMode="auto">
+          <a:xfrm>
+            <a:off x="35496" y="44624"/>
+            <a:ext cx="1024030" cy="1008112"/>
+          </a:xfrm>
+          <a:prstGeom prst="rect">
+            <a:avLst/>
+          </a:prstGeom>
+          <a:noFill/>
+          <a:ln w="9525">
+            <a:noFill/>
+            <a:miter lim="800000"/>
+            <a:headEnd/>
+            <a:tailEnd/>
+          </a:ln>
+        </p:spPr>
+      </p:pic>
+      <p:pic>
+        <p:nvPicPr>
+          <p:cNvPr id="2050" name="Picture 2" descr="C:\Users\Public\Proyecto Code\Presentación Comercial\Privacidad.png"/>
+          <p:cNvPicPr>
+            <a:picLocks noChangeAspect="1" noChangeArrowheads="1"/>
+          </p:cNvPicPr>
+          <p:nvPr/>
+        </p:nvPicPr>
+        <p:blipFill>
+          <a:blip r:embed="rId5" cstate="print"/>
+          <a:srcRect/>
+          <a:stretch>
+            <a:fillRect/>
+          </a:stretch>
+        </p:blipFill>
+        <p:spPr bwMode="auto">
+          <a:xfrm>
+            <a:off x="4425950" y="404664"/>
+            <a:ext cx="4718050" cy="1597025"/>
+          </a:xfrm>
+          <a:prstGeom prst="rect">
+            <a:avLst/>
+          </a:prstGeom>
+          <a:noFill/>
+        </p:spPr>
+      </p:pic>
+      <p:pic>
+        <p:nvPicPr>
+          <p:cNvPr id="2051" name="Picture 3" descr="C:\Users\Public\Proyecto Code\Presentación Comercial\Perfil.png"/>
+          <p:cNvPicPr>
+            <a:picLocks noChangeAspect="1" noChangeArrowheads="1"/>
+          </p:cNvPicPr>
+          <p:nvPr/>
+        </p:nvPicPr>
+        <p:blipFill>
+          <a:blip r:embed="rId6" cstate="print"/>
+          <a:srcRect/>
+          <a:stretch>
+            <a:fillRect/>
+          </a:stretch>
+        </p:blipFill>
+        <p:spPr bwMode="auto">
+          <a:xfrm>
+            <a:off x="-1" y="1988840"/>
+            <a:ext cx="3884829" cy="1615628"/>
           </a:xfrm>
           <a:prstGeom prst="rect">
             <a:avLst/>
@@ -6094,7 +6141,7 @@
       </p:grpSpPr>
       <p:pic>
         <p:nvPicPr>
-          <p:cNvPr id="15" name="Picture 3" descr="C:\Users\Cabezon\Desktop\PosterEntregado.png"/>
+          <p:cNvPr id="4099" name="Picture 3" descr="C:\Users\Cabezon\Desktop\ping.png"/>
           <p:cNvPicPr>
             <a:picLocks noChangeAspect="1" noChangeArrowheads="1"/>
           </p:cNvPicPr>
@@ -6109,8 +6156,8 @@
         </p:blipFill>
         <p:spPr bwMode="auto">
           <a:xfrm>
-            <a:off x="5422107" y="6226253"/>
-            <a:ext cx="3721893" cy="631747"/>
+            <a:off x="1" y="1628800"/>
+            <a:ext cx="4499992" cy="1712912"/>
           </a:xfrm>
           <a:prstGeom prst="rect">
             <a:avLst/>
@@ -6120,7 +6167,7 @@
       </p:pic>
       <p:pic>
         <p:nvPicPr>
-          <p:cNvPr id="16" name="Picture 2" descr="C:\Users\Cabezon\Desktop\MUÑECO.png"/>
+          <p:cNvPr id="6" name="Picture 2" descr="C:\Users\Public\Proyecto Code\Presentación Comercial\logo-una-linea.png"/>
           <p:cNvPicPr>
             <a:picLocks noChangeAspect="1" noChangeArrowheads="1"/>
           </p:cNvPicPr>
@@ -6135,8 +6182,8 @@
         </p:blipFill>
         <p:spPr bwMode="auto">
           <a:xfrm>
-            <a:off x="141700" y="82625"/>
-            <a:ext cx="1117932" cy="1042119"/>
+            <a:off x="4644008" y="6201694"/>
+            <a:ext cx="4499992" cy="656305"/>
           </a:xfrm>
           <a:prstGeom prst="rect">
             <a:avLst/>
@@ -6146,7 +6193,7 @@
       </p:pic>
       <p:pic>
         <p:nvPicPr>
-          <p:cNvPr id="4098" name="Picture 2" descr="C:\Users\Cabezon\Desktop\mas.png"/>
+          <p:cNvPr id="7" name="Picture 3" descr="gI__-K27lkivz1z3m76Jh4c6wNBQqDSBsS1GopNPWcg-yTjFWnMTyHZBFHCl1bsRa9i-yCu7Q5erK3VjDVGWPQbhD6mIcoWEQUn4HZg-fBQtfDV5EvE"/>
           <p:cNvPicPr>
             <a:picLocks noChangeAspect="1" noChangeArrowheads="1"/>
           </p:cNvPicPr>
@@ -6160,19 +6207,25 @@
           </a:stretch>
         </p:blipFill>
         <p:spPr bwMode="auto">
-          <a:xfrm flipH="1">
-            <a:off x="4434856" y="476672"/>
-            <a:ext cx="4709144" cy="1712912"/>
+          <a:xfrm>
+            <a:off x="35496" y="44624"/>
+            <a:ext cx="1024030" cy="1008112"/>
           </a:xfrm>
           <a:prstGeom prst="rect">
             <a:avLst/>
           </a:prstGeom>
           <a:noFill/>
+          <a:ln w="9525">
+            <a:noFill/>
+            <a:miter lim="800000"/>
+            <a:headEnd/>
+            <a:tailEnd/>
+          </a:ln>
         </p:spPr>
       </p:pic>
       <p:pic>
         <p:nvPicPr>
-          <p:cNvPr id="4099" name="Picture 3" descr="C:\Users\Cabezon\Desktop\ping.png"/>
+          <p:cNvPr id="8" name="Picture 7" descr="C:\Users\Cabezon\Desktop\Buscar2.png"/>
           <p:cNvPicPr>
             <a:picLocks noChangeAspect="1" noChangeArrowheads="1"/>
           </p:cNvPicPr>
@@ -6186,9 +6239,35 @@
           </a:stretch>
         </p:blipFill>
         <p:spPr bwMode="auto">
-          <a:xfrm>
-            <a:off x="0" y="2060848"/>
-            <a:ext cx="4926013" cy="1712912"/>
+          <a:xfrm flipH="1">
+            <a:off x="4459487" y="332656"/>
+            <a:ext cx="4684513" cy="1901825"/>
+          </a:xfrm>
+          <a:prstGeom prst="rect">
+            <a:avLst/>
+          </a:prstGeom>
+          <a:noFill/>
+        </p:spPr>
+      </p:pic>
+      <p:pic>
+        <p:nvPicPr>
+          <p:cNvPr id="9" name="Picture 8" descr="C:\Users\Public\Proyecto Code\Poster\f_57a0cf95601e.png"/>
+          <p:cNvPicPr>
+            <a:picLocks noChangeAspect="1" noChangeArrowheads="1"/>
+          </p:cNvPicPr>
+          <p:nvPr/>
+        </p:nvPicPr>
+        <p:blipFill>
+          <a:blip r:embed="rId6" cstate="print"/>
+          <a:srcRect/>
+          <a:stretch>
+            <a:fillRect/>
+          </a:stretch>
+        </p:blipFill>
+        <p:spPr bwMode="auto">
+          <a:xfrm>
+            <a:off x="5076056" y="1437747"/>
+            <a:ext cx="3923928" cy="3935469"/>
           </a:xfrm>
           <a:prstGeom prst="rect">
             <a:avLst/>
@@ -6229,8 +6308,8 @@
         </p:nvSpPr>
         <p:spPr>
           <a:xfrm>
-            <a:off x="1763688" y="5863091"/>
-            <a:ext cx="2304256" cy="692696"/>
+            <a:off x="1791398" y="5863091"/>
+            <a:ext cx="1944216" cy="692696"/>
           </a:xfrm>
           <a:prstGeom prst="rect">
             <a:avLst/>
@@ -6259,58 +6338,6 @@
           </a:p>
         </p:txBody>
       </p:sp>
-      <p:pic>
-        <p:nvPicPr>
-          <p:cNvPr id="15" name="Picture 3" descr="C:\Users\Cabezon\Desktop\PosterEntregado.png"/>
-          <p:cNvPicPr>
-            <a:picLocks noChangeAspect="1" noChangeArrowheads="1"/>
-          </p:cNvPicPr>
-          <p:nvPr/>
-        </p:nvPicPr>
-        <p:blipFill>
-          <a:blip r:embed="rId2" cstate="print"/>
-          <a:srcRect/>
-          <a:stretch>
-            <a:fillRect/>
-          </a:stretch>
-        </p:blipFill>
-        <p:spPr bwMode="auto">
-          <a:xfrm>
-            <a:off x="5422107" y="6226253"/>
-            <a:ext cx="3721893" cy="631747"/>
-          </a:xfrm>
-          <a:prstGeom prst="rect">
-            <a:avLst/>
-          </a:prstGeom>
-          <a:noFill/>
-        </p:spPr>
-      </p:pic>
-      <p:pic>
-        <p:nvPicPr>
-          <p:cNvPr id="16" name="Picture 2" descr="C:\Users\Cabezon\Desktop\MUÑECO.png"/>
-          <p:cNvPicPr>
-            <a:picLocks noChangeAspect="1" noChangeArrowheads="1"/>
-          </p:cNvPicPr>
-          <p:nvPr/>
-        </p:nvPicPr>
-        <p:blipFill>
-          <a:blip r:embed="rId3" cstate="print"/>
-          <a:srcRect/>
-          <a:stretch>
-            <a:fillRect/>
-          </a:stretch>
-        </p:blipFill>
-        <p:spPr bwMode="auto">
-          <a:xfrm>
-            <a:off x="141700" y="82625"/>
-            <a:ext cx="1117932" cy="1042119"/>
-          </a:xfrm>
-          <a:prstGeom prst="rect">
-            <a:avLst/>
-          </a:prstGeom>
-          <a:noFill/>
-        </p:spPr>
-      </p:pic>
       <p:sp>
         <p:nvSpPr>
           <p:cNvPr id="6" name="5 Rectángulo"/>
@@ -6434,7 +6461,7 @@
           <p:nvPr/>
         </p:nvPicPr>
         <p:blipFill>
-          <a:blip r:embed="rId4" cstate="print"/>
+          <a:blip r:embed="rId2" cstate="print"/>
           <a:srcRect/>
           <a:stretch>
             <a:fillRect/>
@@ -6460,7 +6487,7 @@
           <p:nvPr/>
         </p:nvPicPr>
         <p:blipFill>
-          <a:blip r:embed="rId5" cstate="print"/>
+          <a:blip r:embed="rId3" cstate="print"/>
           <a:srcRect/>
           <a:stretch>
             <a:fillRect/>
@@ -6760,6 +6787,58 @@
           <p:nvPr/>
         </p:nvPicPr>
         <p:blipFill>
+          <a:blip r:embed="rId4" cstate="print"/>
+          <a:srcRect/>
+          <a:stretch>
+            <a:fillRect/>
+          </a:stretch>
+        </p:blipFill>
+        <p:spPr bwMode="auto">
+          <a:xfrm>
+            <a:off x="3601944" y="4059336"/>
+            <a:ext cx="1402104" cy="737816"/>
+          </a:xfrm>
+          <a:prstGeom prst="rect">
+            <a:avLst/>
+          </a:prstGeom>
+          <a:noFill/>
+        </p:spPr>
+      </p:pic>
+      <p:pic>
+        <p:nvPicPr>
+          <p:cNvPr id="5124" name="Picture 4" descr="C:\Users\Cabezon\Google Drive\Facultad\Proyecto\Documento de Arquitectura\Images\cluster.png"/>
+          <p:cNvPicPr>
+            <a:picLocks noChangeAspect="1" noChangeArrowheads="1"/>
+          </p:cNvPicPr>
+          <p:nvPr/>
+        </p:nvPicPr>
+        <p:blipFill>
+          <a:blip r:embed="rId5" cstate="print"/>
+          <a:srcRect/>
+          <a:stretch>
+            <a:fillRect/>
+          </a:stretch>
+        </p:blipFill>
+        <p:spPr bwMode="auto">
+          <a:xfrm>
+            <a:off x="3779912" y="2276872"/>
+            <a:ext cx="1702970" cy="1702970"/>
+          </a:xfrm>
+          <a:prstGeom prst="rect">
+            <a:avLst/>
+          </a:prstGeom>
+          <a:noFill/>
+        </p:spPr>
+      </p:pic>
+      <p:pic>
+        <p:nvPicPr>
+          <p:cNvPr id="21" name="Picture 11" descr="C:\Users\Cabezon\Google Drive\Facultad\Proyecto\Documento de Arquitectura\Images\linkedin-logo.png"/>
+          <p:cNvPicPr>
+            <a:picLocks noChangeAspect="1" noChangeArrowheads="1"/>
+          </p:cNvPicPr>
+          <p:nvPr/>
+        </p:nvPicPr>
+        <p:blipFill>
           <a:blip r:embed="rId6" cstate="print"/>
           <a:srcRect/>
           <a:stretch>
@@ -6768,8 +6847,8 @@
         </p:blipFill>
         <p:spPr bwMode="auto">
           <a:xfrm>
-            <a:off x="3601944" y="4059336"/>
-            <a:ext cx="1402104" cy="737816"/>
+            <a:off x="2021277" y="5981012"/>
+            <a:ext cx="1512168" cy="472324"/>
           </a:xfrm>
           <a:prstGeom prst="rect">
             <a:avLst/>
@@ -6777,68 +6856,16 @@
           <a:noFill/>
         </p:spPr>
       </p:pic>
-      <p:pic>
-        <p:nvPicPr>
-          <p:cNvPr id="5124" name="Picture 4" descr="C:\Users\Cabezon\Google Drive\Facultad\Proyecto\Documento de Arquitectura\Images\cluster.png"/>
-          <p:cNvPicPr>
-            <a:picLocks noChangeAspect="1" noChangeArrowheads="1"/>
-          </p:cNvPicPr>
-          <p:nvPr/>
-        </p:nvPicPr>
-        <p:blipFill>
-          <a:blip r:embed="rId7" cstate="print"/>
-          <a:srcRect/>
-          <a:stretch>
-            <a:fillRect/>
-          </a:stretch>
-        </p:blipFill>
-        <p:spPr bwMode="auto">
-          <a:xfrm>
-            <a:off x="3779912" y="2276872"/>
-            <a:ext cx="1702970" cy="1702970"/>
-          </a:xfrm>
-          <a:prstGeom prst="rect">
-            <a:avLst/>
-          </a:prstGeom>
-          <a:noFill/>
-        </p:spPr>
-      </p:pic>
-      <p:pic>
-        <p:nvPicPr>
-          <p:cNvPr id="21" name="Picture 11" descr="C:\Users\Cabezon\Google Drive\Facultad\Proyecto\Documento de Arquitectura\Images\linkedin-logo.png"/>
-          <p:cNvPicPr>
-            <a:picLocks noChangeAspect="1" noChangeArrowheads="1"/>
-          </p:cNvPicPr>
-          <p:nvPr/>
-        </p:nvPicPr>
-        <p:blipFill>
-          <a:blip r:embed="rId8" cstate="print"/>
-          <a:srcRect/>
-          <a:stretch>
-            <a:fillRect/>
-          </a:stretch>
-        </p:blipFill>
-        <p:spPr bwMode="auto">
-          <a:xfrm>
-            <a:off x="2123728" y="5981012"/>
-            <a:ext cx="1672026" cy="472324"/>
-          </a:xfrm>
-          <a:prstGeom prst="rect">
-            <a:avLst/>
-          </a:prstGeom>
-          <a:noFill/>
-        </p:spPr>
-      </p:pic>
-      <p:sp>
-        <p:nvSpPr>
-          <p:cNvPr id="24" name="23 Flecha izquierda y arriba"/>
+      <p:sp>
+        <p:nvSpPr>
+          <p:cNvPr id="25" name="24 Flecha izquierda y arriba"/>
           <p:cNvSpPr/>
           <p:nvPr/>
         </p:nvSpPr>
         <p:spPr>
-          <a:xfrm>
-            <a:off x="4139952" y="5301208"/>
-            <a:ext cx="1152128" cy="1152128"/>
+          <a:xfrm flipH="1">
+            <a:off x="467544" y="5373216"/>
+            <a:ext cx="1224136" cy="1152128"/>
           </a:xfrm>
           <a:prstGeom prst="leftUpArrow">
             <a:avLst/>
@@ -6867,16 +6894,146 @@
           </a:p>
         </p:txBody>
       </p:sp>
-      <p:sp>
-        <p:nvSpPr>
-          <p:cNvPr id="25" name="24 Flecha izquierda y arriba"/>
+      <p:pic>
+        <p:nvPicPr>
+          <p:cNvPr id="5125" name="Picture 5" descr="C:\Users\Cabezon\Google Drive\Facultad\Proyecto\Documento de Arquitectura\Images\database_server.png"/>
+          <p:cNvPicPr>
+            <a:picLocks noChangeAspect="1" noChangeArrowheads="1"/>
+          </p:cNvPicPr>
+          <p:nvPr/>
+        </p:nvPicPr>
+        <p:blipFill>
+          <a:blip r:embed="rId7" cstate="print"/>
+          <a:srcRect/>
+          <a:stretch>
+            <a:fillRect/>
+          </a:stretch>
+        </p:blipFill>
+        <p:spPr bwMode="auto">
+          <a:xfrm>
+            <a:off x="6588224" y="2073696"/>
+            <a:ext cx="1280632" cy="1571328"/>
+          </a:xfrm>
+          <a:prstGeom prst="rect">
+            <a:avLst/>
+          </a:prstGeom>
+          <a:noFill/>
+        </p:spPr>
+      </p:pic>
+      <p:pic>
+        <p:nvPicPr>
+          <p:cNvPr id="28" name="Picture 5" descr="C:\Users\Cabezon\Google Drive\Facultad\Proyecto\Documento de Arquitectura\Images\database_server.png"/>
+          <p:cNvPicPr>
+            <a:picLocks noChangeAspect="1" noChangeArrowheads="1"/>
+          </p:cNvPicPr>
+          <p:nvPr/>
+        </p:nvPicPr>
+        <p:blipFill>
+          <a:blip r:embed="rId8" cstate="print"/>
+          <a:srcRect/>
+          <a:stretch>
+            <a:fillRect/>
+          </a:stretch>
+        </p:blipFill>
+        <p:spPr bwMode="auto">
+          <a:xfrm>
+            <a:off x="7524328" y="2361728"/>
+            <a:ext cx="1229866" cy="1509039"/>
+          </a:xfrm>
+          <a:prstGeom prst="rect">
+            <a:avLst/>
+          </a:prstGeom>
+          <a:noFill/>
+        </p:spPr>
+      </p:pic>
+      <p:pic>
+        <p:nvPicPr>
+          <p:cNvPr id="27" name="Picture 5" descr="C:\Users\Cabezon\Google Drive\Facultad\Proyecto\Documento de Arquitectura\Images\database_server.png"/>
+          <p:cNvPicPr>
+            <a:picLocks noChangeAspect="1" noChangeArrowheads="1"/>
+          </p:cNvPicPr>
+          <p:nvPr/>
+        </p:nvPicPr>
+        <p:blipFill>
+          <a:blip r:embed="rId9" cstate="print"/>
+          <a:srcRect/>
+          <a:stretch>
+            <a:fillRect/>
+          </a:stretch>
+        </p:blipFill>
+        <p:spPr bwMode="auto">
+          <a:xfrm>
+            <a:off x="6948264" y="2712049"/>
+            <a:ext cx="1640672" cy="2013095"/>
+          </a:xfrm>
+          <a:prstGeom prst="rect">
+            <a:avLst/>
+          </a:prstGeom>
+          <a:noFill/>
+        </p:spPr>
+      </p:pic>
+      <p:pic>
+        <p:nvPicPr>
+          <p:cNvPr id="5126" name="Picture 6" descr="C:\Users\Cabezon\Google Drive\Facultad\Proyecto\Documento de Arquitectura\Images\mysql.png"/>
+          <p:cNvPicPr>
+            <a:picLocks noChangeAspect="1" noChangeArrowheads="1"/>
+          </p:cNvPicPr>
+          <p:nvPr/>
+        </p:nvPicPr>
+        <p:blipFill>
+          <a:blip r:embed="rId10" cstate="print"/>
+          <a:srcRect/>
+          <a:stretch>
+            <a:fillRect/>
+          </a:stretch>
+        </p:blipFill>
+        <p:spPr bwMode="auto">
+          <a:xfrm>
+            <a:off x="7330741" y="4653136"/>
+            <a:ext cx="1345715" cy="576064"/>
+          </a:xfrm>
+          <a:prstGeom prst="rect">
+            <a:avLst/>
+          </a:prstGeom>
+          <a:noFill/>
+        </p:spPr>
+      </p:pic>
+      <p:pic>
+        <p:nvPicPr>
+          <p:cNvPr id="26" name="Picture 2" descr="C:\Users\Public\Proyecto Code\Presentación Comercial\logo-una-linea.png"/>
+          <p:cNvPicPr>
+            <a:picLocks noChangeAspect="1" noChangeArrowheads="1"/>
+          </p:cNvPicPr>
+          <p:nvPr/>
+        </p:nvPicPr>
+        <p:blipFill>
+          <a:blip r:embed="rId11" cstate="print"/>
+          <a:srcRect/>
+          <a:stretch>
+            <a:fillRect/>
+          </a:stretch>
+        </p:blipFill>
+        <p:spPr bwMode="auto">
+          <a:xfrm>
+            <a:off x="4644008" y="6201694"/>
+            <a:ext cx="4499992" cy="656305"/>
+          </a:xfrm>
+          <a:prstGeom prst="rect">
+            <a:avLst/>
+          </a:prstGeom>
+          <a:noFill/>
+        </p:spPr>
+      </p:pic>
+      <p:sp>
+        <p:nvSpPr>
+          <p:cNvPr id="24" name="23 Flecha izquierda y arriba"/>
           <p:cNvSpPr/>
           <p:nvPr/>
         </p:nvSpPr>
         <p:spPr>
-          <a:xfrm flipH="1">
-            <a:off x="467544" y="5373216"/>
-            <a:ext cx="1224136" cy="1152128"/>
+          <a:xfrm>
+            <a:off x="3851920" y="5301208"/>
+            <a:ext cx="1152128" cy="1152128"/>
           </a:xfrm>
           <a:prstGeom prst="leftUpArrow">
             <a:avLst/>
@@ -6907,85 +7064,7 @@
       </p:sp>
       <p:pic>
         <p:nvPicPr>
-          <p:cNvPr id="5125" name="Picture 5" descr="C:\Users\Cabezon\Google Drive\Facultad\Proyecto\Documento de Arquitectura\Images\database_server.png"/>
-          <p:cNvPicPr>
-            <a:picLocks noChangeAspect="1" noChangeArrowheads="1"/>
-          </p:cNvPicPr>
-          <p:nvPr/>
-        </p:nvPicPr>
-        <p:blipFill>
-          <a:blip r:embed="rId9" cstate="print"/>
-          <a:srcRect/>
-          <a:stretch>
-            <a:fillRect/>
-          </a:stretch>
-        </p:blipFill>
-        <p:spPr bwMode="auto">
-          <a:xfrm>
-            <a:off x="6588224" y="2073696"/>
-            <a:ext cx="1280632" cy="1571328"/>
-          </a:xfrm>
-          <a:prstGeom prst="rect">
-            <a:avLst/>
-          </a:prstGeom>
-          <a:noFill/>
-        </p:spPr>
-      </p:pic>
-      <p:pic>
-        <p:nvPicPr>
-          <p:cNvPr id="28" name="Picture 5" descr="C:\Users\Cabezon\Google Drive\Facultad\Proyecto\Documento de Arquitectura\Images\database_server.png"/>
-          <p:cNvPicPr>
-            <a:picLocks noChangeAspect="1" noChangeArrowheads="1"/>
-          </p:cNvPicPr>
-          <p:nvPr/>
-        </p:nvPicPr>
-        <p:blipFill>
-          <a:blip r:embed="rId10" cstate="print"/>
-          <a:srcRect/>
-          <a:stretch>
-            <a:fillRect/>
-          </a:stretch>
-        </p:blipFill>
-        <p:spPr bwMode="auto">
-          <a:xfrm>
-            <a:off x="7524328" y="2361728"/>
-            <a:ext cx="1229866" cy="1509039"/>
-          </a:xfrm>
-          <a:prstGeom prst="rect">
-            <a:avLst/>
-          </a:prstGeom>
-          <a:noFill/>
-        </p:spPr>
-      </p:pic>
-      <p:pic>
-        <p:nvPicPr>
-          <p:cNvPr id="27" name="Picture 5" descr="C:\Users\Cabezon\Google Drive\Facultad\Proyecto\Documento de Arquitectura\Images\database_server.png"/>
-          <p:cNvPicPr>
-            <a:picLocks noChangeAspect="1" noChangeArrowheads="1"/>
-          </p:cNvPicPr>
-          <p:nvPr/>
-        </p:nvPicPr>
-        <p:blipFill>
-          <a:blip r:embed="rId11" cstate="print"/>
-          <a:srcRect/>
-          <a:stretch>
-            <a:fillRect/>
-          </a:stretch>
-        </p:blipFill>
-        <p:spPr bwMode="auto">
-          <a:xfrm>
-            <a:off x="6948264" y="2712049"/>
-            <a:ext cx="1640672" cy="2013095"/>
-          </a:xfrm>
-          <a:prstGeom prst="rect">
-            <a:avLst/>
-          </a:prstGeom>
-          <a:noFill/>
-        </p:spPr>
-      </p:pic>
-      <p:pic>
-        <p:nvPicPr>
-          <p:cNvPr id="5126" name="Picture 6" descr="C:\Users\Cabezon\Google Drive\Facultad\Proyecto\Documento de Arquitectura\Images\mysql.png"/>
+          <p:cNvPr id="29" name="Picture 3" descr="gI__-K27lkivz1z3m76Jh4c6wNBQqDSBsS1GopNPWcg-yTjFWnMTyHZBFHCl1bsRa9i-yCu7Q5erK3VjDVGWPQbhD6mIcoWEQUn4HZg-fBQtfDV5EvE"/>
           <p:cNvPicPr>
             <a:picLocks noChangeAspect="1" noChangeArrowheads="1"/>
           </p:cNvPicPr>
@@ -7000,13 +7079,19 @@
         </p:blipFill>
         <p:spPr bwMode="auto">
           <a:xfrm>
-            <a:off x="7330741" y="4653136"/>
-            <a:ext cx="1345715" cy="576064"/>
+            <a:off x="35496" y="44624"/>
+            <a:ext cx="1024030" cy="1008112"/>
           </a:xfrm>
           <a:prstGeom prst="rect">
             <a:avLst/>
           </a:prstGeom>
           <a:noFill/>
+          <a:ln w="9525">
+            <a:noFill/>
+            <a:miter lim="800000"/>
+            <a:headEnd/>
+            <a:tailEnd/>
+          </a:ln>
         </p:spPr>
       </p:pic>
     </p:spTree>

--- a/Presentación Comercial/Presentación1.pptx
+++ b/Presentación Comercial/Presentación1.pptx
@@ -14,6 +14,12 @@
     <p:sldId id="262" r:id="rId8"/>
     <p:sldId id="263" r:id="rId9"/>
     <p:sldId id="264" r:id="rId10"/>
+    <p:sldId id="266" r:id="rId11"/>
+    <p:sldId id="265" r:id="rId12"/>
+    <p:sldId id="267" r:id="rId13"/>
+    <p:sldId id="268" r:id="rId14"/>
+    <p:sldId id="269" r:id="rId15"/>
+    <p:sldId id="270" r:id="rId16"/>
   </p:sldIdLst>
   <p:sldSz cx="9144000" cy="6858000" type="screen4x3"/>
   <p:notesSz cx="6858000" cy="9144000"/>
@@ -297,7 +303,7 @@
             <a:fld id="{45B83DA8-C0AD-4132-B5BD-3FD6411679B0}" type="datetimeFigureOut">
               <a:rPr lang="es-AR" smtClean="0"/>
               <a:pPr/>
-              <a:t>18/09/2012</a:t>
+              <a:t>19/09/2012</a:t>
             </a:fld>
             <a:endParaRPr lang="es-AR"/>
           </a:p>
@@ -464,7 +470,7 @@
             <a:fld id="{45B83DA8-C0AD-4132-B5BD-3FD6411679B0}" type="datetimeFigureOut">
               <a:rPr lang="es-AR" smtClean="0"/>
               <a:pPr/>
-              <a:t>18/09/2012</a:t>
+              <a:t>19/09/2012</a:t>
             </a:fld>
             <a:endParaRPr lang="es-AR"/>
           </a:p>
@@ -641,7 +647,7 @@
             <a:fld id="{45B83DA8-C0AD-4132-B5BD-3FD6411679B0}" type="datetimeFigureOut">
               <a:rPr lang="es-AR" smtClean="0"/>
               <a:pPr/>
-              <a:t>18/09/2012</a:t>
+              <a:t>19/09/2012</a:t>
             </a:fld>
             <a:endParaRPr lang="es-AR"/>
           </a:p>
@@ -808,7 +814,7 @@
             <a:fld id="{45B83DA8-C0AD-4132-B5BD-3FD6411679B0}" type="datetimeFigureOut">
               <a:rPr lang="es-AR" smtClean="0"/>
               <a:pPr/>
-              <a:t>18/09/2012</a:t>
+              <a:t>19/09/2012</a:t>
             </a:fld>
             <a:endParaRPr lang="es-AR"/>
           </a:p>
@@ -1051,7 +1057,7 @@
             <a:fld id="{45B83DA8-C0AD-4132-B5BD-3FD6411679B0}" type="datetimeFigureOut">
               <a:rPr lang="es-AR" smtClean="0"/>
               <a:pPr/>
-              <a:t>18/09/2012</a:t>
+              <a:t>19/09/2012</a:t>
             </a:fld>
             <a:endParaRPr lang="es-AR"/>
           </a:p>
@@ -1336,7 +1342,7 @@
             <a:fld id="{45B83DA8-C0AD-4132-B5BD-3FD6411679B0}" type="datetimeFigureOut">
               <a:rPr lang="es-AR" smtClean="0"/>
               <a:pPr/>
-              <a:t>18/09/2012</a:t>
+              <a:t>19/09/2012</a:t>
             </a:fld>
             <a:endParaRPr lang="es-AR"/>
           </a:p>
@@ -1755,7 +1761,7 @@
             <a:fld id="{45B83DA8-C0AD-4132-B5BD-3FD6411679B0}" type="datetimeFigureOut">
               <a:rPr lang="es-AR" smtClean="0"/>
               <a:pPr/>
-              <a:t>18/09/2012</a:t>
+              <a:t>19/09/2012</a:t>
             </a:fld>
             <a:endParaRPr lang="es-AR"/>
           </a:p>
@@ -1870,7 +1876,7 @@
             <a:fld id="{45B83DA8-C0AD-4132-B5BD-3FD6411679B0}" type="datetimeFigureOut">
               <a:rPr lang="es-AR" smtClean="0"/>
               <a:pPr/>
-              <a:t>18/09/2012</a:t>
+              <a:t>19/09/2012</a:t>
             </a:fld>
             <a:endParaRPr lang="es-AR"/>
           </a:p>
@@ -1962,7 +1968,7 @@
             <a:fld id="{45B83DA8-C0AD-4132-B5BD-3FD6411679B0}" type="datetimeFigureOut">
               <a:rPr lang="es-AR" smtClean="0"/>
               <a:pPr/>
-              <a:t>18/09/2012</a:t>
+              <a:t>19/09/2012</a:t>
             </a:fld>
             <a:endParaRPr lang="es-AR"/>
           </a:p>
@@ -2236,7 +2242,7 @@
             <a:fld id="{45B83DA8-C0AD-4132-B5BD-3FD6411679B0}" type="datetimeFigureOut">
               <a:rPr lang="es-AR" smtClean="0"/>
               <a:pPr/>
-              <a:t>18/09/2012</a:t>
+              <a:t>19/09/2012</a:t>
             </a:fld>
             <a:endParaRPr lang="es-AR"/>
           </a:p>
@@ -2486,7 +2492,7 @@
             <a:fld id="{45B83DA8-C0AD-4132-B5BD-3FD6411679B0}" type="datetimeFigureOut">
               <a:rPr lang="es-AR" smtClean="0"/>
               <a:pPr/>
-              <a:t>18/09/2012</a:t>
+              <a:t>19/09/2012</a:t>
             </a:fld>
             <a:endParaRPr lang="es-AR"/>
           </a:p>
@@ -2705,7 +2711,7 @@
             <a:fld id="{45B83DA8-C0AD-4132-B5BD-3FD6411679B0}" type="datetimeFigureOut">
               <a:rPr lang="es-AR" smtClean="0"/>
               <a:pPr/>
-              <a:t>18/09/2012</a:t>
+              <a:t>19/09/2012</a:t>
             </a:fld>
             <a:endParaRPr lang="es-AR"/>
           </a:p>
@@ -3197,11 +3203,1837 @@
           </a:p>
         </p:txBody>
       </p:sp>
+      <p:pic>
+        <p:nvPicPr>
+          <p:cNvPr id="7170" name="Picture 2" descr="C:\Users\Public\Proyecto Code\Presentación Comercial\SM.jpg"/>
+          <p:cNvPicPr>
+            <a:picLocks noChangeAspect="1" noChangeArrowheads="1"/>
+          </p:cNvPicPr>
+          <p:nvPr/>
+        </p:nvPicPr>
+        <p:blipFill>
+          <a:blip r:embed="rId5" cstate="print"/>
+          <a:srcRect/>
+          <a:stretch>
+            <a:fillRect/>
+          </a:stretch>
+        </p:blipFill>
+        <p:spPr bwMode="auto">
+          <a:xfrm>
+            <a:off x="-3131840" y="1484784"/>
+            <a:ext cx="3131840" cy="4115664"/>
+          </a:xfrm>
+          <a:prstGeom prst="rect">
+            <a:avLst/>
+          </a:prstGeom>
+          <a:noFill/>
+        </p:spPr>
+      </p:pic>
     </p:spTree>
   </p:cSld>
   <p:clrMapOvr>
     <a:masterClrMapping/>
   </p:clrMapOvr>
+  <p:timing>
+    <p:tnLst>
+      <p:par>
+        <p:cTn id="1" dur="indefinite" restart="never" nodeType="tmRoot">
+          <p:childTnLst>
+            <p:seq concurrent="1" nextAc="seek">
+              <p:cTn id="2" dur="indefinite" nodeType="mainSeq">
+                <p:childTnLst>
+                  <p:par>
+                    <p:cTn id="3" fill="hold">
+                      <p:stCondLst>
+                        <p:cond delay="indefinite"/>
+                      </p:stCondLst>
+                      <p:childTnLst>
+                        <p:par>
+                          <p:cTn id="4" fill="hold">
+                            <p:stCondLst>
+                              <p:cond delay="0"/>
+                            </p:stCondLst>
+                            <p:childTnLst>
+                              <p:par>
+                                <p:cTn id="5" presetID="1" presetClass="entr" presetSubtype="0" fill="hold" nodeType="clickEffect">
+                                  <p:stCondLst>
+                                    <p:cond delay="0"/>
+                                  </p:stCondLst>
+                                  <p:childTnLst>
+                                    <p:set>
+                                      <p:cBhvr>
+                                        <p:cTn id="6" dur="1" fill="hold">
+                                          <p:stCondLst>
+                                            <p:cond delay="0"/>
+                                          </p:stCondLst>
+                                        </p:cTn>
+                                        <p:tgtEl>
+                                          <p:spTgt spid="7170"/>
+                                        </p:tgtEl>
+                                        <p:attrNameLst>
+                                          <p:attrName>style.visibility</p:attrName>
+                                        </p:attrNameLst>
+                                      </p:cBhvr>
+                                      <p:to>
+                                        <p:strVal val="visible"/>
+                                      </p:to>
+                                    </p:set>
+                                  </p:childTnLst>
+                                </p:cTn>
+                              </p:par>
+                            </p:childTnLst>
+                          </p:cTn>
+                        </p:par>
+                        <p:par>
+                          <p:cTn id="7" fill="hold">
+                            <p:stCondLst>
+                              <p:cond delay="0"/>
+                            </p:stCondLst>
+                            <p:childTnLst>
+                              <p:par>
+                                <p:cTn id="8" presetID="63" presetClass="path" presetSubtype="0" accel="50000" decel="50000" fill="hold" nodeType="afterEffect">
+                                  <p:stCondLst>
+                                    <p:cond delay="5000"/>
+                                  </p:stCondLst>
+                                  <p:childTnLst>
+                                    <p:animMotion origin="layout" path="M 0.00191 4.81481E-6 L 0.34236 4.81481E-6 " pathEditMode="relative" rAng="0" ptsTypes="AA">
+                                      <p:cBhvr>
+                                        <p:cTn id="9" dur="2000" fill="hold"/>
+                                        <p:tgtEl>
+                                          <p:spTgt spid="7170"/>
+                                        </p:tgtEl>
+                                        <p:attrNameLst>
+                                          <p:attrName>ppt_x</p:attrName>
+                                          <p:attrName>ppt_y</p:attrName>
+                                        </p:attrNameLst>
+                                      </p:cBhvr>
+                                      <p:rCtr x="170" y="0"/>
+                                    </p:animMotion>
+                                  </p:childTnLst>
+                                </p:cTn>
+                              </p:par>
+                            </p:childTnLst>
+                          </p:cTn>
+                        </p:par>
+                        <p:par>
+                          <p:cTn id="10" fill="hold">
+                            <p:stCondLst>
+                              <p:cond delay="7000"/>
+                            </p:stCondLst>
+                            <p:childTnLst>
+                              <p:par>
+                                <p:cTn id="11" presetID="35" presetClass="path" presetSubtype="0" accel="50000" decel="50000" fill="hold" nodeType="afterEffect">
+                                  <p:stCondLst>
+                                    <p:cond delay="10000"/>
+                                  </p:stCondLst>
+                                  <p:childTnLst>
+                                    <p:animMotion origin="layout" path="M 0.34236 4.81481E-6 L -0.00608 4.81481E-6 " pathEditMode="relative" rAng="0" ptsTypes="AA">
+                                      <p:cBhvr>
+                                        <p:cTn id="12" dur="2000" fill="hold"/>
+                                        <p:tgtEl>
+                                          <p:spTgt spid="7170"/>
+                                        </p:tgtEl>
+                                        <p:attrNameLst>
+                                          <p:attrName>ppt_x</p:attrName>
+                                          <p:attrName>ppt_y</p:attrName>
+                                        </p:attrNameLst>
+                                      </p:cBhvr>
+                                      <p:rCtr x="-174" y="0"/>
+                                    </p:animMotion>
+                                  </p:childTnLst>
+                                </p:cTn>
+                              </p:par>
+                            </p:childTnLst>
+                          </p:cTn>
+                        </p:par>
+                      </p:childTnLst>
+                    </p:cTn>
+                  </p:par>
+                </p:childTnLst>
+              </p:cTn>
+              <p:prevCondLst>
+                <p:cond evt="onPrev" delay="0">
+                  <p:tgtEl>
+                    <p:sldTgt/>
+                  </p:tgtEl>
+                </p:cond>
+              </p:prevCondLst>
+              <p:nextCondLst>
+                <p:cond evt="onNext" delay="0">
+                  <p:tgtEl>
+                    <p:sldTgt/>
+                  </p:tgtEl>
+                </p:cond>
+              </p:nextCondLst>
+            </p:seq>
+          </p:childTnLst>
+        </p:cTn>
+      </p:par>
+    </p:tnLst>
+  </p:timing>
+</p:sld>
+</file>
+
+<file path=ppt/slides/slide10.xml><?xml version="1.0" encoding="utf-8"?>
+<p:sld xmlns:a="http://schemas.openxmlformats.org/drawingml/2006/main" xmlns:r="http://schemas.openxmlformats.org/officeDocument/2006/relationships" xmlns:p="http://schemas.openxmlformats.org/presentationml/2006/main">
+  <p:cSld>
+    <p:spTree>
+      <p:nvGrpSpPr>
+        <p:cNvPr id="1" name=""/>
+        <p:cNvGrpSpPr/>
+        <p:nvPr/>
+      </p:nvGrpSpPr>
+      <p:grpSpPr>
+        <a:xfrm>
+          <a:off x="0" y="0"/>
+          <a:ext cx="0" cy="0"/>
+          <a:chOff x="0" y="0"/>
+          <a:chExt cx="0" cy="0"/>
+        </a:xfrm>
+      </p:grpSpPr>
+      <p:pic>
+        <p:nvPicPr>
+          <p:cNvPr id="6" name="Picture 2" descr="C:\Users\Public\Proyecto Code\Presentación Comercial\logo-una-linea.png"/>
+          <p:cNvPicPr>
+            <a:picLocks noChangeAspect="1" noChangeArrowheads="1"/>
+          </p:cNvPicPr>
+          <p:nvPr/>
+        </p:nvPicPr>
+        <p:blipFill>
+          <a:blip r:embed="rId2" cstate="print"/>
+          <a:srcRect/>
+          <a:stretch>
+            <a:fillRect/>
+          </a:stretch>
+        </p:blipFill>
+        <p:spPr bwMode="auto">
+          <a:xfrm>
+            <a:off x="4644008" y="6201694"/>
+            <a:ext cx="4499992" cy="656305"/>
+          </a:xfrm>
+          <a:prstGeom prst="rect">
+            <a:avLst/>
+          </a:prstGeom>
+          <a:noFill/>
+        </p:spPr>
+      </p:pic>
+      <p:pic>
+        <p:nvPicPr>
+          <p:cNvPr id="7" name="Picture 3" descr="gI__-K27lkivz1z3m76Jh4c6wNBQqDSBsS1GopNPWcg-yTjFWnMTyHZBFHCl1bsRa9i-yCu7Q5erK3VjDVGWPQbhD6mIcoWEQUn4HZg-fBQtfDV5EvE"/>
+          <p:cNvPicPr>
+            <a:picLocks noChangeAspect="1" noChangeArrowheads="1"/>
+          </p:cNvPicPr>
+          <p:nvPr/>
+        </p:nvPicPr>
+        <p:blipFill>
+          <a:blip r:embed="rId3" cstate="print"/>
+          <a:srcRect/>
+          <a:stretch>
+            <a:fillRect/>
+          </a:stretch>
+        </p:blipFill>
+        <p:spPr bwMode="auto">
+          <a:xfrm>
+            <a:off x="35496" y="44624"/>
+            <a:ext cx="1024030" cy="1008112"/>
+          </a:xfrm>
+          <a:prstGeom prst="rect">
+            <a:avLst/>
+          </a:prstGeom>
+          <a:noFill/>
+          <a:ln w="9525">
+            <a:noFill/>
+            <a:miter lim="800000"/>
+            <a:headEnd/>
+            <a:tailEnd/>
+          </a:ln>
+        </p:spPr>
+      </p:pic>
+      <p:sp>
+        <p:nvSpPr>
+          <p:cNvPr id="4" name="3 Rectángulo"/>
+          <p:cNvSpPr/>
+          <p:nvPr/>
+        </p:nvSpPr>
+        <p:spPr>
+          <a:xfrm>
+            <a:off x="1691680" y="1281534"/>
+            <a:ext cx="6192688" cy="923330"/>
+          </a:xfrm>
+          <a:prstGeom prst="rect">
+            <a:avLst/>
+          </a:prstGeom>
+        </p:spPr>
+        <p:style>
+          <a:lnRef idx="0">
+            <a:schemeClr val="accent1"/>
+          </a:lnRef>
+          <a:fillRef idx="3">
+            <a:schemeClr val="accent1"/>
+          </a:fillRef>
+          <a:effectRef idx="3">
+            <a:schemeClr val="accent1"/>
+          </a:effectRef>
+          <a:fontRef idx="minor">
+            <a:schemeClr val="lt1"/>
+          </a:fontRef>
+        </p:style>
+        <p:txBody>
+          <a:bodyPr wrap="square">
+            <a:spAutoFit/>
+          </a:bodyPr>
+          <a:lstStyle/>
+          <a:p>
+            <a:pPr algn="ctr"/>
+            <a:r>
+              <a:rPr lang="es-AR" sz="5400" dirty="0" smtClean="0">
+                <a:latin typeface="Kozuka Gothic Pr6N B" pitchFamily="34" charset="-128"/>
+                <a:ea typeface="Kozuka Gothic Pr6N B" pitchFamily="34" charset="-128"/>
+              </a:rPr>
+              <a:t>TALENT RADAR</a:t>
+            </a:r>
+            <a:endParaRPr lang="es-AR" sz="5400" dirty="0"/>
+          </a:p>
+        </p:txBody>
+      </p:sp>
+      <p:sp>
+        <p:nvSpPr>
+          <p:cNvPr id="8" name="7 Rectángulo"/>
+          <p:cNvSpPr/>
+          <p:nvPr/>
+        </p:nvSpPr>
+        <p:spPr>
+          <a:xfrm>
+            <a:off x="1691680" y="2829706"/>
+            <a:ext cx="6192688" cy="923330"/>
+          </a:xfrm>
+          <a:prstGeom prst="rect">
+            <a:avLst/>
+          </a:prstGeom>
+        </p:spPr>
+        <p:style>
+          <a:lnRef idx="2">
+            <a:schemeClr val="dk1"/>
+          </a:lnRef>
+          <a:fillRef idx="1">
+            <a:schemeClr val="lt1"/>
+          </a:fillRef>
+          <a:effectRef idx="0">
+            <a:schemeClr val="dk1"/>
+          </a:effectRef>
+          <a:fontRef idx="minor">
+            <a:schemeClr val="dk1"/>
+          </a:fontRef>
+        </p:style>
+        <p:txBody>
+          <a:bodyPr wrap="square">
+            <a:spAutoFit/>
+          </a:bodyPr>
+          <a:lstStyle/>
+          <a:p>
+            <a:pPr algn="ctr"/>
+            <a:r>
+              <a:rPr lang="es-AR" sz="5400" dirty="0" smtClean="0">
+                <a:solidFill>
+                  <a:schemeClr val="tx1"/>
+                </a:solidFill>
+                <a:latin typeface="Kozuka Gothic Pr6N B" pitchFamily="34" charset="-128"/>
+                <a:ea typeface="Kozuka Gothic Pr6N B" pitchFamily="34" charset="-128"/>
+              </a:rPr>
+              <a:t>PARA TODOS</a:t>
+            </a:r>
+            <a:endParaRPr lang="es-AR" sz="5400" dirty="0">
+              <a:solidFill>
+                <a:schemeClr val="tx1"/>
+              </a:solidFill>
+            </a:endParaRPr>
+          </a:p>
+        </p:txBody>
+      </p:sp>
+      <p:sp>
+        <p:nvSpPr>
+          <p:cNvPr id="9" name="8 Rectángulo"/>
+          <p:cNvSpPr/>
+          <p:nvPr/>
+        </p:nvSpPr>
+        <p:spPr>
+          <a:xfrm>
+            <a:off x="1691680" y="4377878"/>
+            <a:ext cx="6192688" cy="923330"/>
+          </a:xfrm>
+          <a:prstGeom prst="rect">
+            <a:avLst/>
+          </a:prstGeom>
+        </p:spPr>
+        <p:style>
+          <a:lnRef idx="0">
+            <a:schemeClr val="accent1"/>
+          </a:lnRef>
+          <a:fillRef idx="3">
+            <a:schemeClr val="accent1"/>
+          </a:fillRef>
+          <a:effectRef idx="3">
+            <a:schemeClr val="accent1"/>
+          </a:effectRef>
+          <a:fontRef idx="minor">
+            <a:schemeClr val="lt1"/>
+          </a:fontRef>
+        </p:style>
+        <p:txBody>
+          <a:bodyPr wrap="square">
+            <a:spAutoFit/>
+          </a:bodyPr>
+          <a:lstStyle/>
+          <a:p>
+            <a:pPr algn="ctr"/>
+            <a:r>
+              <a:rPr lang="es-AR" sz="5400" dirty="0" smtClean="0">
+                <a:latin typeface="Kozuka Gothic Pr6N B" pitchFamily="34" charset="-128"/>
+                <a:ea typeface="Kozuka Gothic Pr6N B" pitchFamily="34" charset="-128"/>
+              </a:rPr>
+              <a:t>¡Y TODAS!</a:t>
+            </a:r>
+            <a:endParaRPr lang="es-AR" sz="5400" dirty="0"/>
+          </a:p>
+        </p:txBody>
+      </p:sp>
+      <p:pic>
+        <p:nvPicPr>
+          <p:cNvPr id="10" name="Picture 2" descr="C:\Users\Public\Proyecto Code\Presentación Comercial\SM.jpg"/>
+          <p:cNvPicPr>
+            <a:picLocks noChangeAspect="1" noChangeArrowheads="1"/>
+          </p:cNvPicPr>
+          <p:nvPr/>
+        </p:nvPicPr>
+        <p:blipFill>
+          <a:blip r:embed="rId4" cstate="print"/>
+          <a:stretch>
+            <a:fillRect/>
+          </a:stretch>
+        </p:blipFill>
+        <p:spPr bwMode="auto">
+          <a:xfrm>
+            <a:off x="-3131840" y="1484887"/>
+            <a:ext cx="3131839" cy="4115458"/>
+          </a:xfrm>
+          <a:prstGeom prst="rect">
+            <a:avLst/>
+          </a:prstGeom>
+          <a:noFill/>
+        </p:spPr>
+      </p:pic>
+    </p:spTree>
+  </p:cSld>
+  <p:clrMapOvr>
+    <a:masterClrMapping/>
+  </p:clrMapOvr>
+  <p:timing>
+    <p:tnLst>
+      <p:par>
+        <p:cTn id="1" dur="indefinite" restart="never" nodeType="tmRoot">
+          <p:childTnLst>
+            <p:seq concurrent="1" nextAc="seek">
+              <p:cTn id="2" dur="indefinite" nodeType="mainSeq">
+                <p:childTnLst>
+                  <p:par>
+                    <p:cTn id="3" fill="hold">
+                      <p:stCondLst>
+                        <p:cond delay="indefinite"/>
+                      </p:stCondLst>
+                      <p:childTnLst>
+                        <p:par>
+                          <p:cTn id="4" fill="hold">
+                            <p:stCondLst>
+                              <p:cond delay="0"/>
+                            </p:stCondLst>
+                            <p:childTnLst>
+                              <p:par>
+                                <p:cTn id="5" presetID="1" presetClass="entr" presetSubtype="0" fill="hold" nodeType="clickEffect">
+                                  <p:stCondLst>
+                                    <p:cond delay="0"/>
+                                  </p:stCondLst>
+                                  <p:childTnLst>
+                                    <p:set>
+                                      <p:cBhvr>
+                                        <p:cTn id="6" dur="1" fill="hold">
+                                          <p:stCondLst>
+                                            <p:cond delay="0"/>
+                                          </p:stCondLst>
+                                        </p:cTn>
+                                        <p:tgtEl>
+                                          <p:spTgt spid="10"/>
+                                        </p:tgtEl>
+                                        <p:attrNameLst>
+                                          <p:attrName>style.visibility</p:attrName>
+                                        </p:attrNameLst>
+                                      </p:cBhvr>
+                                      <p:to>
+                                        <p:strVal val="visible"/>
+                                      </p:to>
+                                    </p:set>
+                                  </p:childTnLst>
+                                </p:cTn>
+                              </p:par>
+                            </p:childTnLst>
+                          </p:cTn>
+                        </p:par>
+                        <p:par>
+                          <p:cTn id="7" fill="hold">
+                            <p:stCondLst>
+                              <p:cond delay="0"/>
+                            </p:stCondLst>
+                            <p:childTnLst>
+                              <p:par>
+                                <p:cTn id="8" presetID="63" presetClass="path" presetSubtype="0" accel="50000" decel="50000" fill="hold" nodeType="afterEffect">
+                                  <p:stCondLst>
+                                    <p:cond delay="5000"/>
+                                  </p:stCondLst>
+                                  <p:childTnLst>
+                                    <p:animMotion origin="layout" path="M 0.00191 4.81481E-6 L 0.34236 4.81481E-6 " pathEditMode="relative" rAng="0" ptsTypes="AA">
+                                      <p:cBhvr>
+                                        <p:cTn id="9" dur="2000" fill="hold"/>
+                                        <p:tgtEl>
+                                          <p:spTgt spid="10"/>
+                                        </p:tgtEl>
+                                        <p:attrNameLst>
+                                          <p:attrName>ppt_x</p:attrName>
+                                          <p:attrName>ppt_y</p:attrName>
+                                        </p:attrNameLst>
+                                      </p:cBhvr>
+                                      <p:rCtr x="170" y="0"/>
+                                    </p:animMotion>
+                                  </p:childTnLst>
+                                </p:cTn>
+                              </p:par>
+                            </p:childTnLst>
+                          </p:cTn>
+                        </p:par>
+                        <p:par>
+                          <p:cTn id="10" fill="hold">
+                            <p:stCondLst>
+                              <p:cond delay="7000"/>
+                            </p:stCondLst>
+                            <p:childTnLst>
+                              <p:par>
+                                <p:cTn id="11" presetID="35" presetClass="path" presetSubtype="0" accel="50000" decel="50000" fill="hold" nodeType="afterEffect">
+                                  <p:stCondLst>
+                                    <p:cond delay="10000"/>
+                                  </p:stCondLst>
+                                  <p:childTnLst>
+                                    <p:animMotion origin="layout" path="M 0.34236 4.81481E-6 L -0.02188 4.81481E-6 " pathEditMode="relative" rAng="0" ptsTypes="AA">
+                                      <p:cBhvr>
+                                        <p:cTn id="12" dur="2000" fill="hold"/>
+                                        <p:tgtEl>
+                                          <p:spTgt spid="10"/>
+                                        </p:tgtEl>
+                                        <p:attrNameLst>
+                                          <p:attrName>ppt_x</p:attrName>
+                                          <p:attrName>ppt_y</p:attrName>
+                                        </p:attrNameLst>
+                                      </p:cBhvr>
+                                      <p:rCtr x="-182" y="0"/>
+                                    </p:animMotion>
+                                  </p:childTnLst>
+                                </p:cTn>
+                              </p:par>
+                            </p:childTnLst>
+                          </p:cTn>
+                        </p:par>
+                      </p:childTnLst>
+                    </p:cTn>
+                  </p:par>
+                </p:childTnLst>
+              </p:cTn>
+              <p:prevCondLst>
+                <p:cond evt="onPrev" delay="0">
+                  <p:tgtEl>
+                    <p:sldTgt/>
+                  </p:tgtEl>
+                </p:cond>
+              </p:prevCondLst>
+              <p:nextCondLst>
+                <p:cond evt="onNext" delay="0">
+                  <p:tgtEl>
+                    <p:sldTgt/>
+                  </p:tgtEl>
+                </p:cond>
+              </p:nextCondLst>
+            </p:seq>
+          </p:childTnLst>
+        </p:cTn>
+      </p:par>
+    </p:tnLst>
+  </p:timing>
+</p:sld>
+</file>
+
+<file path=ppt/slides/slide11.xml><?xml version="1.0" encoding="utf-8"?>
+<p:sld xmlns:a="http://schemas.openxmlformats.org/drawingml/2006/main" xmlns:r="http://schemas.openxmlformats.org/officeDocument/2006/relationships" xmlns:p="http://schemas.openxmlformats.org/presentationml/2006/main">
+  <p:cSld>
+    <p:spTree>
+      <p:nvGrpSpPr>
+        <p:cNvPr id="1" name=""/>
+        <p:cNvGrpSpPr/>
+        <p:nvPr/>
+      </p:nvGrpSpPr>
+      <p:grpSpPr>
+        <a:xfrm>
+          <a:off x="0" y="0"/>
+          <a:ext cx="0" cy="0"/>
+          <a:chOff x="0" y="0"/>
+          <a:chExt cx="0" cy="0"/>
+        </a:xfrm>
+      </p:grpSpPr>
+      <p:pic>
+        <p:nvPicPr>
+          <p:cNvPr id="6" name="Picture 2" descr="C:\Users\Public\Proyecto Code\Presentación Comercial\logo-una-linea.png"/>
+          <p:cNvPicPr>
+            <a:picLocks noChangeAspect="1" noChangeArrowheads="1"/>
+          </p:cNvPicPr>
+          <p:nvPr/>
+        </p:nvPicPr>
+        <p:blipFill>
+          <a:blip r:embed="rId2" cstate="print"/>
+          <a:srcRect/>
+          <a:stretch>
+            <a:fillRect/>
+          </a:stretch>
+        </p:blipFill>
+        <p:spPr bwMode="auto">
+          <a:xfrm>
+            <a:off x="4644008" y="6201694"/>
+            <a:ext cx="4499992" cy="656305"/>
+          </a:xfrm>
+          <a:prstGeom prst="rect">
+            <a:avLst/>
+          </a:prstGeom>
+          <a:noFill/>
+        </p:spPr>
+      </p:pic>
+      <p:pic>
+        <p:nvPicPr>
+          <p:cNvPr id="7" name="Picture 3" descr="gI__-K27lkivz1z3m76Jh4c6wNBQqDSBsS1GopNPWcg-yTjFWnMTyHZBFHCl1bsRa9i-yCu7Q5erK3VjDVGWPQbhD6mIcoWEQUn4HZg-fBQtfDV5EvE"/>
+          <p:cNvPicPr>
+            <a:picLocks noChangeAspect="1" noChangeArrowheads="1"/>
+          </p:cNvPicPr>
+          <p:nvPr/>
+        </p:nvPicPr>
+        <p:blipFill>
+          <a:blip r:embed="rId3" cstate="print"/>
+          <a:srcRect/>
+          <a:stretch>
+            <a:fillRect/>
+          </a:stretch>
+        </p:blipFill>
+        <p:spPr bwMode="auto">
+          <a:xfrm>
+            <a:off x="35496" y="44624"/>
+            <a:ext cx="1024030" cy="1008112"/>
+          </a:xfrm>
+          <a:prstGeom prst="rect">
+            <a:avLst/>
+          </a:prstGeom>
+          <a:noFill/>
+          <a:ln w="9525">
+            <a:noFill/>
+            <a:miter lim="800000"/>
+            <a:headEnd/>
+            <a:tailEnd/>
+          </a:ln>
+        </p:spPr>
+      </p:pic>
+      <p:sp>
+        <p:nvSpPr>
+          <p:cNvPr id="8" name="7 Rectángulo"/>
+          <p:cNvSpPr/>
+          <p:nvPr/>
+        </p:nvSpPr>
+        <p:spPr>
+          <a:xfrm>
+            <a:off x="1619672" y="273422"/>
+            <a:ext cx="6192688" cy="923330"/>
+          </a:xfrm>
+          <a:prstGeom prst="rect">
+            <a:avLst/>
+          </a:prstGeom>
+        </p:spPr>
+        <p:style>
+          <a:lnRef idx="0">
+            <a:schemeClr val="accent3"/>
+          </a:lnRef>
+          <a:fillRef idx="3">
+            <a:schemeClr val="accent3"/>
+          </a:fillRef>
+          <a:effectRef idx="3">
+            <a:schemeClr val="accent3"/>
+          </a:effectRef>
+          <a:fontRef idx="minor">
+            <a:schemeClr val="lt1"/>
+          </a:fontRef>
+        </p:style>
+        <p:txBody>
+          <a:bodyPr wrap="square">
+            <a:spAutoFit/>
+          </a:bodyPr>
+          <a:lstStyle/>
+          <a:p>
+            <a:pPr algn="ctr"/>
+            <a:r>
+              <a:rPr lang="es-AR" sz="5400" dirty="0" smtClean="0">
+                <a:latin typeface="Kozuka Gothic Pr6N B" pitchFamily="34" charset="-128"/>
+                <a:ea typeface="Kozuka Gothic Pr6N B" pitchFamily="34" charset="-128"/>
+              </a:rPr>
+              <a:t>Ingreso</a:t>
+            </a:r>
+            <a:endParaRPr lang="es-AR" sz="5400" dirty="0"/>
+          </a:p>
+        </p:txBody>
+      </p:sp>
+      <p:pic>
+        <p:nvPicPr>
+          <p:cNvPr id="3078" name="Picture 6" descr="C:\Users\Public\Proyecto Code\Presentación Comercial\Mockups\login.png"/>
+          <p:cNvPicPr>
+            <a:picLocks noChangeAspect="1" noChangeArrowheads="1"/>
+          </p:cNvPicPr>
+          <p:nvPr/>
+        </p:nvPicPr>
+        <p:blipFill>
+          <a:blip r:embed="rId4" cstate="print"/>
+          <a:srcRect/>
+          <a:stretch>
+            <a:fillRect/>
+          </a:stretch>
+        </p:blipFill>
+        <p:spPr bwMode="auto">
+          <a:xfrm>
+            <a:off x="1403648" y="1488107"/>
+            <a:ext cx="2475445" cy="4605189"/>
+          </a:xfrm>
+          <a:prstGeom prst="rect">
+            <a:avLst/>
+          </a:prstGeom>
+          <a:noFill/>
+        </p:spPr>
+      </p:pic>
+      <p:pic>
+        <p:nvPicPr>
+          <p:cNvPr id="3079" name="Picture 7" descr="C:\Users\Public\Proyecto Code\Presentación Comercial\Mockups\linkedin.png"/>
+          <p:cNvPicPr>
+            <a:picLocks noChangeAspect="1" noChangeArrowheads="1"/>
+          </p:cNvPicPr>
+          <p:nvPr/>
+        </p:nvPicPr>
+        <p:blipFill>
+          <a:blip r:embed="rId5" cstate="print"/>
+          <a:srcRect/>
+          <a:stretch>
+            <a:fillRect/>
+          </a:stretch>
+        </p:blipFill>
+        <p:spPr bwMode="auto">
+          <a:xfrm>
+            <a:off x="5480930" y="1488107"/>
+            <a:ext cx="2475446" cy="4605189"/>
+          </a:xfrm>
+          <a:prstGeom prst="rect">
+            <a:avLst/>
+          </a:prstGeom>
+          <a:noFill/>
+        </p:spPr>
+      </p:pic>
+      <p:sp>
+        <p:nvSpPr>
+          <p:cNvPr id="15" name="14 Flecha derecha"/>
+          <p:cNvSpPr/>
+          <p:nvPr/>
+        </p:nvSpPr>
+        <p:spPr>
+          <a:xfrm>
+            <a:off x="4139952" y="3429000"/>
+            <a:ext cx="1080120" cy="792088"/>
+          </a:xfrm>
+          <a:prstGeom prst="rightArrow">
+            <a:avLst/>
+          </a:prstGeom>
+        </p:spPr>
+        <p:style>
+          <a:lnRef idx="0">
+            <a:schemeClr val="accent2"/>
+          </a:lnRef>
+          <a:fillRef idx="3">
+            <a:schemeClr val="accent2"/>
+          </a:fillRef>
+          <a:effectRef idx="3">
+            <a:schemeClr val="accent2"/>
+          </a:effectRef>
+          <a:fontRef idx="minor">
+            <a:schemeClr val="lt1"/>
+          </a:fontRef>
+        </p:style>
+        <p:txBody>
+          <a:bodyPr rtlCol="0" anchor="ctr"/>
+          <a:lstStyle/>
+          <a:p>
+            <a:pPr algn="ctr"/>
+            <a:endParaRPr lang="es-AR"/>
+          </a:p>
+        </p:txBody>
+      </p:sp>
+    </p:spTree>
+  </p:cSld>
+  <p:clrMapOvr>
+    <a:masterClrMapping/>
+  </p:clrMapOvr>
+  <p:timing>
+    <p:tnLst>
+      <p:par>
+        <p:cTn id="1" dur="indefinite" restart="never" nodeType="tmRoot"/>
+      </p:par>
+    </p:tnLst>
+  </p:timing>
+</p:sld>
+</file>
+
+<file path=ppt/slides/slide12.xml><?xml version="1.0" encoding="utf-8"?>
+<p:sld xmlns:a="http://schemas.openxmlformats.org/drawingml/2006/main" xmlns:r="http://schemas.openxmlformats.org/officeDocument/2006/relationships" xmlns:p="http://schemas.openxmlformats.org/presentationml/2006/main">
+  <p:cSld>
+    <p:spTree>
+      <p:nvGrpSpPr>
+        <p:cNvPr id="1" name=""/>
+        <p:cNvGrpSpPr/>
+        <p:nvPr/>
+      </p:nvGrpSpPr>
+      <p:grpSpPr>
+        <a:xfrm>
+          <a:off x="0" y="0"/>
+          <a:ext cx="0" cy="0"/>
+          <a:chOff x="0" y="0"/>
+          <a:chExt cx="0" cy="0"/>
+        </a:xfrm>
+      </p:grpSpPr>
+      <p:pic>
+        <p:nvPicPr>
+          <p:cNvPr id="6" name="Picture 2" descr="C:\Users\Public\Proyecto Code\Presentación Comercial\logo-una-linea.png"/>
+          <p:cNvPicPr>
+            <a:picLocks noChangeAspect="1" noChangeArrowheads="1"/>
+          </p:cNvPicPr>
+          <p:nvPr/>
+        </p:nvPicPr>
+        <p:blipFill>
+          <a:blip r:embed="rId2" cstate="print"/>
+          <a:srcRect/>
+          <a:stretch>
+            <a:fillRect/>
+          </a:stretch>
+        </p:blipFill>
+        <p:spPr bwMode="auto">
+          <a:xfrm>
+            <a:off x="4644008" y="6201694"/>
+            <a:ext cx="4499992" cy="656305"/>
+          </a:xfrm>
+          <a:prstGeom prst="rect">
+            <a:avLst/>
+          </a:prstGeom>
+          <a:noFill/>
+        </p:spPr>
+      </p:pic>
+      <p:pic>
+        <p:nvPicPr>
+          <p:cNvPr id="7" name="Picture 3" descr="gI__-K27lkivz1z3m76Jh4c6wNBQqDSBsS1GopNPWcg-yTjFWnMTyHZBFHCl1bsRa9i-yCu7Q5erK3VjDVGWPQbhD6mIcoWEQUn4HZg-fBQtfDV5EvE"/>
+          <p:cNvPicPr>
+            <a:picLocks noChangeAspect="1" noChangeArrowheads="1"/>
+          </p:cNvPicPr>
+          <p:nvPr/>
+        </p:nvPicPr>
+        <p:blipFill>
+          <a:blip r:embed="rId3" cstate="print"/>
+          <a:srcRect/>
+          <a:stretch>
+            <a:fillRect/>
+          </a:stretch>
+        </p:blipFill>
+        <p:spPr bwMode="auto">
+          <a:xfrm>
+            <a:off x="35496" y="44624"/>
+            <a:ext cx="1024030" cy="1008112"/>
+          </a:xfrm>
+          <a:prstGeom prst="rect">
+            <a:avLst/>
+          </a:prstGeom>
+          <a:noFill/>
+          <a:ln w="9525">
+            <a:noFill/>
+            <a:miter lim="800000"/>
+            <a:headEnd/>
+            <a:tailEnd/>
+          </a:ln>
+        </p:spPr>
+      </p:pic>
+      <p:pic>
+        <p:nvPicPr>
+          <p:cNvPr id="4098" name="Picture 2" descr="C:\Users\Public\Proyecto Code\Presentación Comercial\Mockups\Radar.png"/>
+          <p:cNvPicPr>
+            <a:picLocks noChangeAspect="1" noChangeArrowheads="1"/>
+          </p:cNvPicPr>
+          <p:nvPr/>
+        </p:nvPicPr>
+        <p:blipFill>
+          <a:blip r:embed="rId4" cstate="print"/>
+          <a:srcRect/>
+          <a:stretch>
+            <a:fillRect/>
+          </a:stretch>
+        </p:blipFill>
+        <p:spPr bwMode="auto">
+          <a:xfrm>
+            <a:off x="206167" y="1412776"/>
+            <a:ext cx="5661977" cy="4536504"/>
+          </a:xfrm>
+          <a:prstGeom prst="rect">
+            <a:avLst/>
+          </a:prstGeom>
+          <a:noFill/>
+        </p:spPr>
+      </p:pic>
+      <p:sp>
+        <p:nvSpPr>
+          <p:cNvPr id="5" name="4 Rectángulo"/>
+          <p:cNvSpPr/>
+          <p:nvPr/>
+        </p:nvSpPr>
+        <p:spPr>
+          <a:xfrm>
+            <a:off x="1619672" y="273422"/>
+            <a:ext cx="6192688" cy="923330"/>
+          </a:xfrm>
+          <a:prstGeom prst="rect">
+            <a:avLst/>
+          </a:prstGeom>
+        </p:spPr>
+        <p:style>
+          <a:lnRef idx="0">
+            <a:schemeClr val="accent1"/>
+          </a:lnRef>
+          <a:fillRef idx="3">
+            <a:schemeClr val="accent1"/>
+          </a:fillRef>
+          <a:effectRef idx="3">
+            <a:schemeClr val="accent1"/>
+          </a:effectRef>
+          <a:fontRef idx="minor">
+            <a:schemeClr val="lt1"/>
+          </a:fontRef>
+        </p:style>
+        <p:txBody>
+          <a:bodyPr wrap="square">
+            <a:spAutoFit/>
+          </a:bodyPr>
+          <a:lstStyle/>
+          <a:p>
+            <a:pPr algn="ctr"/>
+            <a:r>
+              <a:rPr lang="es-AR" sz="5400" dirty="0" smtClean="0">
+                <a:latin typeface="Kozuka Gothic Pr6N B" pitchFamily="34" charset="-128"/>
+                <a:ea typeface="Kozuka Gothic Pr6N B" pitchFamily="34" charset="-128"/>
+              </a:rPr>
+              <a:t>Radar</a:t>
+            </a:r>
+            <a:endParaRPr lang="es-AR" sz="5400" dirty="0"/>
+          </a:p>
+        </p:txBody>
+      </p:sp>
+      <p:sp>
+        <p:nvSpPr>
+          <p:cNvPr id="9" name="8 Flecha abajo"/>
+          <p:cNvSpPr/>
+          <p:nvPr/>
+        </p:nvSpPr>
+        <p:spPr>
+          <a:xfrm flipV="1">
+            <a:off x="2813365" y="3356992"/>
+            <a:ext cx="504056" cy="1584176"/>
+          </a:xfrm>
+          <a:prstGeom prst="downArrow">
+            <a:avLst/>
+          </a:prstGeom>
+        </p:spPr>
+        <p:style>
+          <a:lnRef idx="0">
+            <a:schemeClr val="accent3"/>
+          </a:lnRef>
+          <a:fillRef idx="3">
+            <a:schemeClr val="accent3"/>
+          </a:fillRef>
+          <a:effectRef idx="3">
+            <a:schemeClr val="accent3"/>
+          </a:effectRef>
+          <a:fontRef idx="minor">
+            <a:schemeClr val="lt1"/>
+          </a:fontRef>
+        </p:style>
+        <p:txBody>
+          <a:bodyPr rtlCol="0" anchor="ctr"/>
+          <a:lstStyle/>
+          <a:p>
+            <a:pPr algn="ctr"/>
+            <a:endParaRPr lang="es-AR"/>
+          </a:p>
+        </p:txBody>
+      </p:sp>
+      <p:pic>
+        <p:nvPicPr>
+          <p:cNvPr id="4099" name="Picture 3" descr="C:\Users\Public\Proyecto Code\Presentación Comercial\Mockups\Profile.png"/>
+          <p:cNvPicPr>
+            <a:picLocks noChangeAspect="1" noChangeArrowheads="1"/>
+          </p:cNvPicPr>
+          <p:nvPr/>
+        </p:nvPicPr>
+        <p:blipFill>
+          <a:blip r:embed="rId5" cstate="print"/>
+          <a:srcRect/>
+          <a:stretch>
+            <a:fillRect/>
+          </a:stretch>
+        </p:blipFill>
+        <p:spPr bwMode="auto">
+          <a:xfrm>
+            <a:off x="6444208" y="1412776"/>
+            <a:ext cx="2438525" cy="4536504"/>
+          </a:xfrm>
+          <a:prstGeom prst="rect">
+            <a:avLst/>
+          </a:prstGeom>
+          <a:noFill/>
+        </p:spPr>
+      </p:pic>
+    </p:spTree>
+  </p:cSld>
+  <p:clrMapOvr>
+    <a:masterClrMapping/>
+  </p:clrMapOvr>
+</p:sld>
+</file>
+
+<file path=ppt/slides/slide13.xml><?xml version="1.0" encoding="utf-8"?>
+<p:sld xmlns:a="http://schemas.openxmlformats.org/drawingml/2006/main" xmlns:r="http://schemas.openxmlformats.org/officeDocument/2006/relationships" xmlns:p="http://schemas.openxmlformats.org/presentationml/2006/main">
+  <p:cSld>
+    <p:spTree>
+      <p:nvGrpSpPr>
+        <p:cNvPr id="1" name=""/>
+        <p:cNvGrpSpPr/>
+        <p:nvPr/>
+      </p:nvGrpSpPr>
+      <p:grpSpPr>
+        <a:xfrm>
+          <a:off x="0" y="0"/>
+          <a:ext cx="0" cy="0"/>
+          <a:chOff x="0" y="0"/>
+          <a:chExt cx="0" cy="0"/>
+        </a:xfrm>
+      </p:grpSpPr>
+      <p:pic>
+        <p:nvPicPr>
+          <p:cNvPr id="6" name="Picture 2" descr="C:\Users\Public\Proyecto Code\Presentación Comercial\logo-una-linea.png"/>
+          <p:cNvPicPr>
+            <a:picLocks noChangeAspect="1" noChangeArrowheads="1"/>
+          </p:cNvPicPr>
+          <p:nvPr/>
+        </p:nvPicPr>
+        <p:blipFill>
+          <a:blip r:embed="rId2" cstate="print"/>
+          <a:srcRect/>
+          <a:stretch>
+            <a:fillRect/>
+          </a:stretch>
+        </p:blipFill>
+        <p:spPr bwMode="auto">
+          <a:xfrm>
+            <a:off x="4644008" y="6201694"/>
+            <a:ext cx="4499992" cy="656305"/>
+          </a:xfrm>
+          <a:prstGeom prst="rect">
+            <a:avLst/>
+          </a:prstGeom>
+          <a:noFill/>
+        </p:spPr>
+      </p:pic>
+      <p:pic>
+        <p:nvPicPr>
+          <p:cNvPr id="7" name="Picture 3" descr="gI__-K27lkivz1z3m76Jh4c6wNBQqDSBsS1GopNPWcg-yTjFWnMTyHZBFHCl1bsRa9i-yCu7Q5erK3VjDVGWPQbhD6mIcoWEQUn4HZg-fBQtfDV5EvE"/>
+          <p:cNvPicPr>
+            <a:picLocks noChangeAspect="1" noChangeArrowheads="1"/>
+          </p:cNvPicPr>
+          <p:nvPr/>
+        </p:nvPicPr>
+        <p:blipFill>
+          <a:blip r:embed="rId3" cstate="print"/>
+          <a:srcRect/>
+          <a:stretch>
+            <a:fillRect/>
+          </a:stretch>
+        </p:blipFill>
+        <p:spPr bwMode="auto">
+          <a:xfrm>
+            <a:off x="35496" y="44624"/>
+            <a:ext cx="1024030" cy="1008112"/>
+          </a:xfrm>
+          <a:prstGeom prst="rect">
+            <a:avLst/>
+          </a:prstGeom>
+          <a:noFill/>
+          <a:ln w="9525">
+            <a:noFill/>
+            <a:miter lim="800000"/>
+            <a:headEnd/>
+            <a:tailEnd/>
+          </a:ln>
+        </p:spPr>
+      </p:pic>
+      <p:sp>
+        <p:nvSpPr>
+          <p:cNvPr id="5" name="4 Rectángulo"/>
+          <p:cNvSpPr/>
+          <p:nvPr/>
+        </p:nvSpPr>
+        <p:spPr>
+          <a:xfrm>
+            <a:off x="1589229" y="273422"/>
+            <a:ext cx="6192688" cy="923330"/>
+          </a:xfrm>
+          <a:prstGeom prst="rect">
+            <a:avLst/>
+          </a:prstGeom>
+        </p:spPr>
+        <p:style>
+          <a:lnRef idx="0">
+            <a:schemeClr val="accent5"/>
+          </a:lnRef>
+          <a:fillRef idx="3">
+            <a:schemeClr val="accent5"/>
+          </a:fillRef>
+          <a:effectRef idx="3">
+            <a:schemeClr val="accent5"/>
+          </a:effectRef>
+          <a:fontRef idx="minor">
+            <a:schemeClr val="lt1"/>
+          </a:fontRef>
+        </p:style>
+        <p:txBody>
+          <a:bodyPr wrap="square">
+            <a:spAutoFit/>
+          </a:bodyPr>
+          <a:lstStyle/>
+          <a:p>
+            <a:pPr algn="ctr"/>
+            <a:r>
+              <a:rPr lang="es-AR" sz="5400" dirty="0" smtClean="0">
+                <a:latin typeface="Kozuka Gothic Pr6N B" pitchFamily="34" charset="-128"/>
+                <a:ea typeface="Kozuka Gothic Pr6N B" pitchFamily="34" charset="-128"/>
+              </a:rPr>
+              <a:t>Ping!</a:t>
+            </a:r>
+            <a:endParaRPr lang="es-AR" sz="5400" dirty="0"/>
+          </a:p>
+        </p:txBody>
+      </p:sp>
+      <p:pic>
+        <p:nvPicPr>
+          <p:cNvPr id="5122" name="Picture 2" descr="C:\Users\Public\Proyecto Code\Presentación Comercial\Mockups\Ping.png"/>
+          <p:cNvPicPr>
+            <a:picLocks noChangeAspect="1" noChangeArrowheads="1"/>
+          </p:cNvPicPr>
+          <p:nvPr/>
+        </p:nvPicPr>
+        <p:blipFill>
+          <a:blip r:embed="rId4" cstate="print"/>
+          <a:srcRect/>
+          <a:stretch>
+            <a:fillRect/>
+          </a:stretch>
+        </p:blipFill>
+        <p:spPr bwMode="auto">
+          <a:xfrm>
+            <a:off x="1547664" y="1412776"/>
+            <a:ext cx="2429845" cy="4520357"/>
+          </a:xfrm>
+          <a:prstGeom prst="rect">
+            <a:avLst/>
+          </a:prstGeom>
+          <a:noFill/>
+        </p:spPr>
+      </p:pic>
+      <p:sp>
+        <p:nvSpPr>
+          <p:cNvPr id="10" name="9 Flecha derecha"/>
+          <p:cNvSpPr/>
+          <p:nvPr/>
+        </p:nvSpPr>
+        <p:spPr>
+          <a:xfrm>
+            <a:off x="4167662" y="3284984"/>
+            <a:ext cx="1152128" cy="720080"/>
+          </a:xfrm>
+          <a:prstGeom prst="rightArrow">
+            <a:avLst/>
+          </a:prstGeom>
+        </p:spPr>
+        <p:style>
+          <a:lnRef idx="0">
+            <a:schemeClr val="accent6"/>
+          </a:lnRef>
+          <a:fillRef idx="3">
+            <a:schemeClr val="accent6"/>
+          </a:fillRef>
+          <a:effectRef idx="3">
+            <a:schemeClr val="accent6"/>
+          </a:effectRef>
+          <a:fontRef idx="minor">
+            <a:schemeClr val="lt1"/>
+          </a:fontRef>
+        </p:style>
+        <p:txBody>
+          <a:bodyPr rtlCol="0" anchor="ctr"/>
+          <a:lstStyle/>
+          <a:p>
+            <a:pPr algn="ctr"/>
+            <a:endParaRPr lang="es-AR"/>
+          </a:p>
+        </p:txBody>
+      </p:sp>
+      <p:pic>
+        <p:nvPicPr>
+          <p:cNvPr id="5123" name="Picture 3" descr="C:\Users\Public\Proyecto Code\Presentación Comercial\Mockups\Chat.png"/>
+          <p:cNvPicPr>
+            <a:picLocks noChangeAspect="1" noChangeArrowheads="1"/>
+          </p:cNvPicPr>
+          <p:nvPr/>
+        </p:nvPicPr>
+        <p:blipFill>
+          <a:blip r:embed="rId5" cstate="print"/>
+          <a:srcRect/>
+          <a:stretch>
+            <a:fillRect/>
+          </a:stretch>
+        </p:blipFill>
+        <p:spPr bwMode="auto">
+          <a:xfrm>
+            <a:off x="5364088" y="1484784"/>
+            <a:ext cx="2436738" cy="4461172"/>
+          </a:xfrm>
+          <a:prstGeom prst="rect">
+            <a:avLst/>
+          </a:prstGeom>
+          <a:noFill/>
+        </p:spPr>
+      </p:pic>
+    </p:spTree>
+  </p:cSld>
+  <p:clrMapOvr>
+    <a:masterClrMapping/>
+  </p:clrMapOvr>
+</p:sld>
+</file>
+
+<file path=ppt/slides/slide14.xml><?xml version="1.0" encoding="utf-8"?>
+<p:sld xmlns:a="http://schemas.openxmlformats.org/drawingml/2006/main" xmlns:r="http://schemas.openxmlformats.org/officeDocument/2006/relationships" xmlns:p="http://schemas.openxmlformats.org/presentationml/2006/main">
+  <p:cSld>
+    <p:spTree>
+      <p:nvGrpSpPr>
+        <p:cNvPr id="1" name=""/>
+        <p:cNvGrpSpPr/>
+        <p:nvPr/>
+      </p:nvGrpSpPr>
+      <p:grpSpPr>
+        <a:xfrm>
+          <a:off x="0" y="0"/>
+          <a:ext cx="0" cy="0"/>
+          <a:chOff x="0" y="0"/>
+          <a:chExt cx="0" cy="0"/>
+        </a:xfrm>
+      </p:grpSpPr>
+      <p:sp>
+        <p:nvSpPr>
+          <p:cNvPr id="9" name="8 Rectángulo"/>
+          <p:cNvSpPr/>
+          <p:nvPr/>
+        </p:nvSpPr>
+        <p:spPr>
+          <a:xfrm>
+            <a:off x="251520" y="2276872"/>
+            <a:ext cx="8640960" cy="1800200"/>
+          </a:xfrm>
+          <a:prstGeom prst="rect">
+            <a:avLst/>
+          </a:prstGeom>
+        </p:spPr>
+        <p:style>
+          <a:lnRef idx="1">
+            <a:schemeClr val="accent5"/>
+          </a:lnRef>
+          <a:fillRef idx="2">
+            <a:schemeClr val="accent5"/>
+          </a:fillRef>
+          <a:effectRef idx="1">
+            <a:schemeClr val="accent5"/>
+          </a:effectRef>
+          <a:fontRef idx="minor">
+            <a:schemeClr val="dk1"/>
+          </a:fontRef>
+        </p:style>
+        <p:txBody>
+          <a:bodyPr rtlCol="0" anchor="ctr"/>
+          <a:lstStyle/>
+          <a:p>
+            <a:pPr algn="ctr"/>
+            <a:endParaRPr lang="es-AR"/>
+          </a:p>
+        </p:txBody>
+      </p:sp>
+      <p:pic>
+        <p:nvPicPr>
+          <p:cNvPr id="6" name="Picture 2" descr="C:\Users\Public\Proyecto Code\Presentación Comercial\logo-una-linea.png"/>
+          <p:cNvPicPr>
+            <a:picLocks noChangeAspect="1" noChangeArrowheads="1"/>
+          </p:cNvPicPr>
+          <p:nvPr/>
+        </p:nvPicPr>
+        <p:blipFill>
+          <a:blip r:embed="rId2" cstate="print"/>
+          <a:srcRect/>
+          <a:stretch>
+            <a:fillRect/>
+          </a:stretch>
+        </p:blipFill>
+        <p:spPr bwMode="auto">
+          <a:xfrm>
+            <a:off x="4644008" y="6201694"/>
+            <a:ext cx="4499992" cy="656305"/>
+          </a:xfrm>
+          <a:prstGeom prst="rect">
+            <a:avLst/>
+          </a:prstGeom>
+          <a:noFill/>
+        </p:spPr>
+      </p:pic>
+      <p:pic>
+        <p:nvPicPr>
+          <p:cNvPr id="7" name="Picture 3" descr="gI__-K27lkivz1z3m76Jh4c6wNBQqDSBsS1GopNPWcg-yTjFWnMTyHZBFHCl1bsRa9i-yCu7Q5erK3VjDVGWPQbhD6mIcoWEQUn4HZg-fBQtfDV5EvE"/>
+          <p:cNvPicPr>
+            <a:picLocks noChangeAspect="1" noChangeArrowheads="1"/>
+          </p:cNvPicPr>
+          <p:nvPr/>
+        </p:nvPicPr>
+        <p:blipFill>
+          <a:blip r:embed="rId3" cstate="print"/>
+          <a:srcRect/>
+          <a:stretch>
+            <a:fillRect/>
+          </a:stretch>
+        </p:blipFill>
+        <p:spPr bwMode="auto">
+          <a:xfrm>
+            <a:off x="35496" y="44624"/>
+            <a:ext cx="1024030" cy="1008112"/>
+          </a:xfrm>
+          <a:prstGeom prst="rect">
+            <a:avLst/>
+          </a:prstGeom>
+          <a:noFill/>
+          <a:ln w="9525">
+            <a:noFill/>
+            <a:miter lim="800000"/>
+            <a:headEnd/>
+            <a:tailEnd/>
+          </a:ln>
+        </p:spPr>
+      </p:pic>
+      <p:sp>
+        <p:nvSpPr>
+          <p:cNvPr id="8" name="7 Rectángulo"/>
+          <p:cNvSpPr/>
+          <p:nvPr/>
+        </p:nvSpPr>
+        <p:spPr>
+          <a:xfrm>
+            <a:off x="251520" y="1988840"/>
+            <a:ext cx="8646149" cy="2092881"/>
+          </a:xfrm>
+          <a:prstGeom prst="rect">
+            <a:avLst/>
+          </a:prstGeom>
+        </p:spPr>
+        <p:txBody>
+          <a:bodyPr wrap="none">
+            <a:spAutoFit/>
+          </a:bodyPr>
+          <a:lstStyle/>
+          <a:p>
+            <a:r>
+              <a:rPr lang="es-AR" sz="13000" b="1" dirty="0" smtClean="0"/>
+              <a:t>¿Preguntas?</a:t>
+            </a:r>
+            <a:endParaRPr lang="es-AR" sz="13000" b="1" dirty="0"/>
+          </a:p>
+        </p:txBody>
+      </p:sp>
+      <p:pic>
+        <p:nvPicPr>
+          <p:cNvPr id="11" name="Picture 2" descr="C:\Users\Public\Proyecto Code\Presentación Comercial\SM.jpg"/>
+          <p:cNvPicPr>
+            <a:picLocks noChangeAspect="1" noChangeArrowheads="1"/>
+          </p:cNvPicPr>
+          <p:nvPr/>
+        </p:nvPicPr>
+        <p:blipFill>
+          <a:blip r:embed="rId4" cstate="print"/>
+          <a:stretch>
+            <a:fillRect/>
+          </a:stretch>
+        </p:blipFill>
+        <p:spPr bwMode="auto">
+          <a:xfrm>
+            <a:off x="-3131840" y="1484888"/>
+            <a:ext cx="3131839" cy="4115456"/>
+          </a:xfrm>
+          <a:prstGeom prst="rect">
+            <a:avLst/>
+          </a:prstGeom>
+          <a:noFill/>
+        </p:spPr>
+      </p:pic>
+    </p:spTree>
+  </p:cSld>
+  <p:clrMapOvr>
+    <a:masterClrMapping/>
+  </p:clrMapOvr>
+  <p:timing>
+    <p:tnLst>
+      <p:par>
+        <p:cTn id="1" dur="indefinite" restart="never" nodeType="tmRoot">
+          <p:childTnLst>
+            <p:seq concurrent="1" nextAc="seek">
+              <p:cTn id="2" dur="indefinite" nodeType="mainSeq">
+                <p:childTnLst>
+                  <p:par>
+                    <p:cTn id="3" fill="hold">
+                      <p:stCondLst>
+                        <p:cond delay="indefinite"/>
+                      </p:stCondLst>
+                      <p:childTnLst>
+                        <p:par>
+                          <p:cTn id="4" fill="hold">
+                            <p:stCondLst>
+                              <p:cond delay="0"/>
+                            </p:stCondLst>
+                            <p:childTnLst>
+                              <p:par>
+                                <p:cTn id="5" presetID="1" presetClass="entr" presetSubtype="0" fill="hold" nodeType="clickEffect">
+                                  <p:stCondLst>
+                                    <p:cond delay="0"/>
+                                  </p:stCondLst>
+                                  <p:childTnLst>
+                                    <p:set>
+                                      <p:cBhvr>
+                                        <p:cTn id="6" dur="1" fill="hold">
+                                          <p:stCondLst>
+                                            <p:cond delay="0"/>
+                                          </p:stCondLst>
+                                        </p:cTn>
+                                        <p:tgtEl>
+                                          <p:spTgt spid="11"/>
+                                        </p:tgtEl>
+                                        <p:attrNameLst>
+                                          <p:attrName>style.visibility</p:attrName>
+                                        </p:attrNameLst>
+                                      </p:cBhvr>
+                                      <p:to>
+                                        <p:strVal val="visible"/>
+                                      </p:to>
+                                    </p:set>
+                                  </p:childTnLst>
+                                </p:cTn>
+                              </p:par>
+                            </p:childTnLst>
+                          </p:cTn>
+                        </p:par>
+                        <p:par>
+                          <p:cTn id="7" fill="hold">
+                            <p:stCondLst>
+                              <p:cond delay="0"/>
+                            </p:stCondLst>
+                            <p:childTnLst>
+                              <p:par>
+                                <p:cTn id="8" presetID="63" presetClass="path" presetSubtype="0" accel="50000" decel="50000" fill="hold" nodeType="afterEffect">
+                                  <p:stCondLst>
+                                    <p:cond delay="5000"/>
+                                  </p:stCondLst>
+                                  <p:childTnLst>
+                                    <p:animMotion origin="layout" path="M 0.00191 4.81481E-6 L 0.34236 4.81481E-6 " pathEditMode="relative" rAng="0" ptsTypes="AA">
+                                      <p:cBhvr>
+                                        <p:cTn id="9" dur="2000" fill="hold"/>
+                                        <p:tgtEl>
+                                          <p:spTgt spid="11"/>
+                                        </p:tgtEl>
+                                        <p:attrNameLst>
+                                          <p:attrName>ppt_x</p:attrName>
+                                          <p:attrName>ppt_y</p:attrName>
+                                        </p:attrNameLst>
+                                      </p:cBhvr>
+                                      <p:rCtr x="170" y="0"/>
+                                    </p:animMotion>
+                                  </p:childTnLst>
+                                </p:cTn>
+                              </p:par>
+                            </p:childTnLst>
+                          </p:cTn>
+                        </p:par>
+                        <p:par>
+                          <p:cTn id="10" fill="hold">
+                            <p:stCondLst>
+                              <p:cond delay="7000"/>
+                            </p:stCondLst>
+                            <p:childTnLst>
+                              <p:par>
+                                <p:cTn id="11" presetID="35" presetClass="path" presetSubtype="0" accel="50000" decel="50000" fill="hold" nodeType="afterEffect">
+                                  <p:stCondLst>
+                                    <p:cond delay="10000"/>
+                                  </p:stCondLst>
+                                  <p:childTnLst>
+                                    <p:animMotion origin="layout" path="M 0.34236 4.81481E-6 L -0.02188 4.81481E-6 " pathEditMode="relative" rAng="0" ptsTypes="AA">
+                                      <p:cBhvr>
+                                        <p:cTn id="12" dur="2000" fill="hold"/>
+                                        <p:tgtEl>
+                                          <p:spTgt spid="11"/>
+                                        </p:tgtEl>
+                                        <p:attrNameLst>
+                                          <p:attrName>ppt_x</p:attrName>
+                                          <p:attrName>ppt_y</p:attrName>
+                                        </p:attrNameLst>
+                                      </p:cBhvr>
+                                      <p:rCtr x="-182" y="0"/>
+                                    </p:animMotion>
+                                  </p:childTnLst>
+                                </p:cTn>
+                              </p:par>
+                            </p:childTnLst>
+                          </p:cTn>
+                        </p:par>
+                      </p:childTnLst>
+                    </p:cTn>
+                  </p:par>
+                </p:childTnLst>
+              </p:cTn>
+              <p:prevCondLst>
+                <p:cond evt="onPrev" delay="0">
+                  <p:tgtEl>
+                    <p:sldTgt/>
+                  </p:tgtEl>
+                </p:cond>
+              </p:prevCondLst>
+              <p:nextCondLst>
+                <p:cond evt="onNext" delay="0">
+                  <p:tgtEl>
+                    <p:sldTgt/>
+                  </p:tgtEl>
+                </p:cond>
+              </p:nextCondLst>
+            </p:seq>
+          </p:childTnLst>
+        </p:cTn>
+      </p:par>
+    </p:tnLst>
+  </p:timing>
+</p:sld>
+</file>
+
+<file path=ppt/slides/slide15.xml><?xml version="1.0" encoding="utf-8"?>
+<p:sld xmlns:a="http://schemas.openxmlformats.org/drawingml/2006/main" xmlns:r="http://schemas.openxmlformats.org/officeDocument/2006/relationships" xmlns:p="http://schemas.openxmlformats.org/presentationml/2006/main">
+  <p:cSld>
+    <p:spTree>
+      <p:nvGrpSpPr>
+        <p:cNvPr id="1" name=""/>
+        <p:cNvGrpSpPr/>
+        <p:nvPr/>
+      </p:nvGrpSpPr>
+      <p:grpSpPr>
+        <a:xfrm>
+          <a:off x="0" y="0"/>
+          <a:ext cx="0" cy="0"/>
+          <a:chOff x="0" y="0"/>
+          <a:chExt cx="0" cy="0"/>
+        </a:xfrm>
+      </p:grpSpPr>
+      <p:pic>
+        <p:nvPicPr>
+          <p:cNvPr id="6" name="Picture 2" descr="C:\Users\Public\Proyecto Code\Presentación Comercial\logo-una-linea.png"/>
+          <p:cNvPicPr>
+            <a:picLocks noChangeAspect="1" noChangeArrowheads="1"/>
+          </p:cNvPicPr>
+          <p:nvPr/>
+        </p:nvPicPr>
+        <p:blipFill>
+          <a:blip r:embed="rId2" cstate="print"/>
+          <a:srcRect/>
+          <a:stretch>
+            <a:fillRect/>
+          </a:stretch>
+        </p:blipFill>
+        <p:spPr bwMode="auto">
+          <a:xfrm>
+            <a:off x="3851920" y="2276872"/>
+            <a:ext cx="4499992" cy="656305"/>
+          </a:xfrm>
+          <a:prstGeom prst="rect">
+            <a:avLst/>
+          </a:prstGeom>
+          <a:noFill/>
+        </p:spPr>
+      </p:pic>
+      <p:pic>
+        <p:nvPicPr>
+          <p:cNvPr id="7" name="Picture 3" descr="gI__-K27lkivz1z3m76Jh4c6wNBQqDSBsS1GopNPWcg-yTjFWnMTyHZBFHCl1bsRa9i-yCu7Q5erK3VjDVGWPQbhD6mIcoWEQUn4HZg-fBQtfDV5EvE"/>
+          <p:cNvPicPr>
+            <a:picLocks noChangeAspect="1" noChangeArrowheads="1"/>
+          </p:cNvPicPr>
+          <p:nvPr/>
+        </p:nvPicPr>
+        <p:blipFill>
+          <a:blip r:embed="rId3" cstate="print"/>
+          <a:srcRect/>
+          <a:stretch>
+            <a:fillRect/>
+          </a:stretch>
+        </p:blipFill>
+        <p:spPr bwMode="auto">
+          <a:xfrm>
+            <a:off x="83019" y="432049"/>
+            <a:ext cx="3336853" cy="3284983"/>
+          </a:xfrm>
+          <a:prstGeom prst="rect">
+            <a:avLst/>
+          </a:prstGeom>
+          <a:noFill/>
+          <a:ln w="9525">
+            <a:noFill/>
+            <a:miter lim="800000"/>
+            <a:headEnd/>
+            <a:tailEnd/>
+          </a:ln>
+        </p:spPr>
+      </p:pic>
+      <p:sp>
+        <p:nvSpPr>
+          <p:cNvPr id="8" name="7 Rectángulo"/>
+          <p:cNvSpPr/>
+          <p:nvPr/>
+        </p:nvSpPr>
+        <p:spPr>
+          <a:xfrm>
+            <a:off x="3701615" y="908720"/>
+            <a:ext cx="5442385" cy="1446550"/>
+          </a:xfrm>
+          <a:prstGeom prst="rect">
+            <a:avLst/>
+          </a:prstGeom>
+        </p:spPr>
+        <p:txBody>
+          <a:bodyPr wrap="square">
+            <a:spAutoFit/>
+          </a:bodyPr>
+          <a:lstStyle/>
+          <a:p>
+            <a:r>
+              <a:rPr lang="es-AR" sz="8800" b="1" dirty="0" smtClean="0">
+                <a:solidFill>
+                  <a:srgbClr val="002060"/>
+                </a:solidFill>
+                <a:latin typeface="Aharoni" pitchFamily="2" charset="-79"/>
+                <a:cs typeface="Aharoni" pitchFamily="2" charset="-79"/>
+              </a:rPr>
+              <a:t>GRACIAS</a:t>
+            </a:r>
+            <a:endParaRPr lang="es-AR" sz="8800" b="1" dirty="0">
+              <a:solidFill>
+                <a:srgbClr val="002060"/>
+              </a:solidFill>
+              <a:latin typeface="Aharoni" pitchFamily="2" charset="-79"/>
+              <a:cs typeface="Aharoni" pitchFamily="2" charset="-79"/>
+            </a:endParaRPr>
+          </a:p>
+        </p:txBody>
+      </p:sp>
+      <p:pic>
+        <p:nvPicPr>
+          <p:cNvPr id="6146" name="Picture 2" descr="C:\Users\Public\Proyecto Code\Presentación Comercial\SM.jpg"/>
+          <p:cNvPicPr>
+            <a:picLocks noChangeAspect="1" noChangeArrowheads="1"/>
+          </p:cNvPicPr>
+          <p:nvPr/>
+        </p:nvPicPr>
+        <p:blipFill>
+          <a:blip r:embed="rId4" cstate="print"/>
+          <a:srcRect/>
+          <a:stretch>
+            <a:fillRect/>
+          </a:stretch>
+        </p:blipFill>
+        <p:spPr bwMode="auto">
+          <a:xfrm>
+            <a:off x="7092280" y="4161761"/>
+            <a:ext cx="2051720" cy="2696239"/>
+          </a:xfrm>
+          <a:prstGeom prst="rect">
+            <a:avLst/>
+          </a:prstGeom>
+          <a:noFill/>
+        </p:spPr>
+      </p:pic>
+      <p:pic>
+        <p:nvPicPr>
+          <p:cNvPr id="15" name="Picture 7" descr="C:\Users\Public\Proyecto Code\Presentación Comercial\AA.jpg"/>
+          <p:cNvPicPr>
+            <a:picLocks noChangeAspect="1" noChangeArrowheads="1"/>
+          </p:cNvPicPr>
+          <p:nvPr/>
+        </p:nvPicPr>
+        <p:blipFill>
+          <a:blip r:embed="rId5" cstate="print"/>
+          <a:srcRect/>
+          <a:stretch>
+            <a:fillRect/>
+          </a:stretch>
+        </p:blipFill>
+        <p:spPr bwMode="auto">
+          <a:xfrm>
+            <a:off x="5292080" y="4161761"/>
+            <a:ext cx="2051720" cy="2696239"/>
+          </a:xfrm>
+          <a:prstGeom prst="rect">
+            <a:avLst/>
+          </a:prstGeom>
+          <a:noFill/>
+        </p:spPr>
+      </p:pic>
+      <p:pic>
+        <p:nvPicPr>
+          <p:cNvPr id="16" name="Picture 8" descr="C:\Users\Public\Proyecto Code\Presentación Comercial\MO.jpg"/>
+          <p:cNvPicPr>
+            <a:picLocks noChangeAspect="1" noChangeArrowheads="1"/>
+          </p:cNvPicPr>
+          <p:nvPr/>
+        </p:nvPicPr>
+        <p:blipFill>
+          <a:blip r:embed="rId6" cstate="print"/>
+          <a:srcRect/>
+          <a:stretch>
+            <a:fillRect/>
+          </a:stretch>
+        </p:blipFill>
+        <p:spPr bwMode="auto">
+          <a:xfrm>
+            <a:off x="3538911" y="4161761"/>
+            <a:ext cx="2051720" cy="2696239"/>
+          </a:xfrm>
+          <a:prstGeom prst="rect">
+            <a:avLst/>
+          </a:prstGeom>
+          <a:noFill/>
+        </p:spPr>
+      </p:pic>
+      <p:pic>
+        <p:nvPicPr>
+          <p:cNvPr id="14" name="Picture 6" descr="C:\Users\Public\Proyecto Code\Presentación Comercial\GB.jpg"/>
+          <p:cNvPicPr>
+            <a:picLocks noChangeAspect="1" noChangeArrowheads="1"/>
+          </p:cNvPicPr>
+          <p:nvPr/>
+        </p:nvPicPr>
+        <p:blipFill>
+          <a:blip r:embed="rId7" cstate="print"/>
+          <a:srcRect/>
+          <a:stretch>
+            <a:fillRect/>
+          </a:stretch>
+        </p:blipFill>
+        <p:spPr bwMode="auto">
+          <a:xfrm>
+            <a:off x="1907704" y="4161761"/>
+            <a:ext cx="1939490" cy="2696239"/>
+          </a:xfrm>
+          <a:prstGeom prst="rect">
+            <a:avLst/>
+          </a:prstGeom>
+          <a:noFill/>
+        </p:spPr>
+      </p:pic>
+      <p:pic>
+        <p:nvPicPr>
+          <p:cNvPr id="17" name="Picture 9" descr="C:\Users\Public\Proyecto Code\Presentación Comercial\SC.jpg"/>
+          <p:cNvPicPr>
+            <a:picLocks noChangeAspect="1" noChangeArrowheads="1"/>
+          </p:cNvPicPr>
+          <p:nvPr/>
+        </p:nvPicPr>
+        <p:blipFill>
+          <a:blip r:embed="rId8" cstate="print"/>
+          <a:srcRect/>
+          <a:stretch>
+            <a:fillRect/>
+          </a:stretch>
+        </p:blipFill>
+        <p:spPr bwMode="auto">
+          <a:xfrm>
+            <a:off x="0" y="4161761"/>
+            <a:ext cx="1979712" cy="2696239"/>
+          </a:xfrm>
+          <a:prstGeom prst="rect">
+            <a:avLst/>
+          </a:prstGeom>
+          <a:noFill/>
+        </p:spPr>
+      </p:pic>
+      <p:cxnSp>
+        <p:nvCxnSpPr>
+          <p:cNvPr id="19" name="18 Conector recto"/>
+          <p:cNvCxnSpPr/>
+          <p:nvPr/>
+        </p:nvCxnSpPr>
+        <p:spPr>
+          <a:xfrm>
+            <a:off x="0" y="4158606"/>
+            <a:ext cx="9144000" cy="0"/>
+          </a:xfrm>
+          <a:prstGeom prst="line">
+            <a:avLst/>
+          </a:prstGeom>
+        </p:spPr>
+        <p:style>
+          <a:lnRef idx="1">
+            <a:schemeClr val="accent1"/>
+          </a:lnRef>
+          <a:fillRef idx="0">
+            <a:schemeClr val="accent1"/>
+          </a:fillRef>
+          <a:effectRef idx="0">
+            <a:schemeClr val="accent1"/>
+          </a:effectRef>
+          <a:fontRef idx="minor">
+            <a:schemeClr val="tx1"/>
+          </a:fontRef>
+        </p:style>
+      </p:cxnSp>
+    </p:spTree>
+  </p:cSld>
+  <p:clrMapOvr>
+    <a:masterClrMapping/>
+  </p:clrMapOvr>
+  <p:timing>
+    <p:tnLst>
+      <p:par>
+        <p:cTn id="1" dur="indefinite" restart="never" nodeType="tmRoot"/>
+      </p:par>
+    </p:tnLst>
+  </p:timing>
 </p:sld>
 </file>
 
@@ -3784,11 +5616,173 @@
           </a:ln>
         </p:spPr>
       </p:pic>
+      <p:pic>
+        <p:nvPicPr>
+          <p:cNvPr id="22" name="Picture 2" descr="C:\Users\Public\Proyecto Code\Presentación Comercial\SM.jpg"/>
+          <p:cNvPicPr>
+            <a:picLocks noChangeAspect="1" noChangeArrowheads="1"/>
+          </p:cNvPicPr>
+          <p:nvPr/>
+        </p:nvPicPr>
+        <p:blipFill>
+          <a:blip r:embed="rId4" cstate="print"/>
+          <a:stretch>
+            <a:fillRect/>
+          </a:stretch>
+        </p:blipFill>
+        <p:spPr bwMode="auto">
+          <a:xfrm>
+            <a:off x="-3131840" y="1484887"/>
+            <a:ext cx="3131840" cy="4115458"/>
+          </a:xfrm>
+          <a:prstGeom prst="rect">
+            <a:avLst/>
+          </a:prstGeom>
+          <a:noFill/>
+        </p:spPr>
+      </p:pic>
     </p:spTree>
   </p:cSld>
   <p:clrMapOvr>
     <a:masterClrMapping/>
   </p:clrMapOvr>
+  <p:timing>
+    <p:tnLst>
+      <p:par>
+        <p:cTn id="1" dur="indefinite" restart="never" nodeType="tmRoot">
+          <p:childTnLst>
+            <p:seq concurrent="1" nextAc="seek">
+              <p:cTn id="2" dur="indefinite" nodeType="mainSeq">
+                <p:childTnLst>
+                  <p:par>
+                    <p:cTn id="3" fill="hold">
+                      <p:stCondLst>
+                        <p:cond delay="indefinite"/>
+                      </p:stCondLst>
+                      <p:childTnLst>
+                        <p:par>
+                          <p:cTn id="4" fill="hold">
+                            <p:stCondLst>
+                              <p:cond delay="0"/>
+                            </p:stCondLst>
+                            <p:childTnLst>
+                              <p:par>
+                                <p:cTn id="5" presetID="1" presetClass="entr" presetSubtype="0" fill="hold" nodeType="clickEffect">
+                                  <p:stCondLst>
+                                    <p:cond delay="0"/>
+                                  </p:stCondLst>
+                                  <p:childTnLst>
+                                    <p:set>
+                                      <p:cBhvr>
+                                        <p:cTn id="6" dur="1" fill="hold">
+                                          <p:stCondLst>
+                                            <p:cond delay="0"/>
+                                          </p:stCondLst>
+                                        </p:cTn>
+                                        <p:tgtEl>
+                                          <p:spTgt spid="22"/>
+                                        </p:tgtEl>
+                                        <p:attrNameLst>
+                                          <p:attrName>style.visibility</p:attrName>
+                                        </p:attrNameLst>
+                                      </p:cBhvr>
+                                      <p:to>
+                                        <p:strVal val="visible"/>
+                                      </p:to>
+                                    </p:set>
+                                  </p:childTnLst>
+                                </p:cTn>
+                              </p:par>
+                            </p:childTnLst>
+                          </p:cTn>
+                        </p:par>
+                        <p:par>
+                          <p:cTn id="7" fill="hold">
+                            <p:stCondLst>
+                              <p:cond delay="0"/>
+                            </p:stCondLst>
+                            <p:childTnLst>
+                              <p:par>
+                                <p:cTn id="8" presetID="63" presetClass="path" presetSubtype="0" accel="50000" decel="50000" fill="hold" nodeType="afterEffect">
+                                  <p:stCondLst>
+                                    <p:cond delay="5000"/>
+                                  </p:stCondLst>
+                                  <p:childTnLst>
+                                    <p:animMotion origin="layout" path="M 0.00191 4.81481E-6 L 0.34236 4.81481E-6 " pathEditMode="relative" rAng="0" ptsTypes="AA">
+                                      <p:cBhvr>
+                                        <p:cTn id="9" dur="2000" fill="hold"/>
+                                        <p:tgtEl>
+                                          <p:spTgt spid="22"/>
+                                        </p:tgtEl>
+                                        <p:attrNameLst>
+                                          <p:attrName>ppt_x</p:attrName>
+                                          <p:attrName>ppt_y</p:attrName>
+                                        </p:attrNameLst>
+                                      </p:cBhvr>
+                                      <p:rCtr x="170" y="0"/>
+                                    </p:animMotion>
+                                  </p:childTnLst>
+                                </p:cTn>
+                              </p:par>
+                            </p:childTnLst>
+                          </p:cTn>
+                        </p:par>
+                        <p:par>
+                          <p:cTn id="10" fill="hold">
+                            <p:stCondLst>
+                              <p:cond delay="7000"/>
+                            </p:stCondLst>
+                            <p:childTnLst>
+                              <p:par>
+                                <p:cTn id="11" presetID="35" presetClass="path" presetSubtype="0" accel="50000" decel="50000" fill="hold" nodeType="afterEffect">
+                                  <p:stCondLst>
+                                    <p:cond delay="10000"/>
+                                  </p:stCondLst>
+                                  <p:childTnLst>
+                                    <p:animMotion origin="layout" path="M 0.34236 4.81481E-6 L -0.02188 4.81481E-6 " pathEditMode="relative" rAng="0" ptsTypes="AA">
+                                      <p:cBhvr>
+                                        <p:cTn id="12" dur="2000" fill="hold"/>
+                                        <p:tgtEl>
+                                          <p:spTgt spid="22"/>
+                                        </p:tgtEl>
+                                        <p:attrNameLst>
+                                          <p:attrName>ppt_x</p:attrName>
+                                          <p:attrName>ppt_y</p:attrName>
+                                        </p:attrNameLst>
+                                      </p:cBhvr>
+                                      <p:rCtr x="-182" y="0"/>
+                                    </p:animMotion>
+                                  </p:childTnLst>
+                                </p:cTn>
+                              </p:par>
+                            </p:childTnLst>
+                          </p:cTn>
+                        </p:par>
+                      </p:childTnLst>
+                    </p:cTn>
+                  </p:par>
+                </p:childTnLst>
+              </p:cTn>
+              <p:prevCondLst>
+                <p:cond evt="onPrev" delay="0">
+                  <p:tgtEl>
+                    <p:sldTgt/>
+                  </p:tgtEl>
+                </p:cond>
+              </p:prevCondLst>
+              <p:nextCondLst>
+                <p:cond evt="onNext" delay="0">
+                  <p:tgtEl>
+                    <p:sldTgt/>
+                  </p:tgtEl>
+                </p:cond>
+              </p:nextCondLst>
+            </p:seq>
+          </p:childTnLst>
+        </p:cTn>
+      </p:par>
+    </p:tnLst>
+  </p:timing>
 </p:sld>
 </file>
 
@@ -4292,6 +6286,13 @@
   <p:clrMapOvr>
     <a:masterClrMapping/>
   </p:clrMapOvr>
+  <p:timing>
+    <p:tnLst>
+      <p:par>
+        <p:cTn id="1" dur="indefinite" restart="never" nodeType="tmRoot"/>
+      </p:par>
+    </p:tnLst>
+  </p:timing>
 </p:sld>
 </file>
 
@@ -4987,6 +6988,13 @@
   <p:clrMapOvr>
     <a:masterClrMapping/>
   </p:clrMapOvr>
+  <p:timing>
+    <p:tnLst>
+      <p:par>
+        <p:cTn id="1" dur="indefinite" restart="never" nodeType="tmRoot"/>
+      </p:par>
+    </p:tnLst>
+  </p:timing>
 </p:sld>
 </file>
 
@@ -5489,6 +7497,13 @@
   <p:clrMapOvr>
     <a:masterClrMapping/>
   </p:clrMapOvr>
+  <p:timing>
+    <p:tnLst>
+      <p:par>
+        <p:cTn id="1" dur="indefinite" restart="never" nodeType="tmRoot"/>
+      </p:par>
+    </p:tnLst>
+  </p:timing>
 </p:sld>
 </file>
 
@@ -5915,11 +7930,173 @@
           </a:ln>
         </p:spPr>
       </p:pic>
+      <p:pic>
+        <p:nvPicPr>
+          <p:cNvPr id="13" name="Picture 2" descr="C:\Users\Public\Proyecto Code\Presentación Comercial\SM.jpg"/>
+          <p:cNvPicPr>
+            <a:picLocks noChangeAspect="1" noChangeArrowheads="1"/>
+          </p:cNvPicPr>
+          <p:nvPr/>
+        </p:nvPicPr>
+        <p:blipFill>
+          <a:blip r:embed="rId5" cstate="print"/>
+          <a:stretch>
+            <a:fillRect/>
+          </a:stretch>
+        </p:blipFill>
+        <p:spPr bwMode="auto">
+          <a:xfrm>
+            <a:off x="-3131840" y="1484887"/>
+            <a:ext cx="3131839" cy="4115458"/>
+          </a:xfrm>
+          <a:prstGeom prst="rect">
+            <a:avLst/>
+          </a:prstGeom>
+          <a:noFill/>
+        </p:spPr>
+      </p:pic>
     </p:spTree>
   </p:cSld>
   <p:clrMapOvr>
     <a:masterClrMapping/>
   </p:clrMapOvr>
+  <p:timing>
+    <p:tnLst>
+      <p:par>
+        <p:cTn id="1" dur="indefinite" restart="never" nodeType="tmRoot">
+          <p:childTnLst>
+            <p:seq concurrent="1" nextAc="seek">
+              <p:cTn id="2" dur="indefinite" nodeType="mainSeq">
+                <p:childTnLst>
+                  <p:par>
+                    <p:cTn id="3" fill="hold">
+                      <p:stCondLst>
+                        <p:cond delay="indefinite"/>
+                      </p:stCondLst>
+                      <p:childTnLst>
+                        <p:par>
+                          <p:cTn id="4" fill="hold">
+                            <p:stCondLst>
+                              <p:cond delay="0"/>
+                            </p:stCondLst>
+                            <p:childTnLst>
+                              <p:par>
+                                <p:cTn id="5" presetID="1" presetClass="entr" presetSubtype="0" fill="hold" nodeType="clickEffect">
+                                  <p:stCondLst>
+                                    <p:cond delay="0"/>
+                                  </p:stCondLst>
+                                  <p:childTnLst>
+                                    <p:set>
+                                      <p:cBhvr>
+                                        <p:cTn id="6" dur="1" fill="hold">
+                                          <p:stCondLst>
+                                            <p:cond delay="0"/>
+                                          </p:stCondLst>
+                                        </p:cTn>
+                                        <p:tgtEl>
+                                          <p:spTgt spid="13"/>
+                                        </p:tgtEl>
+                                        <p:attrNameLst>
+                                          <p:attrName>style.visibility</p:attrName>
+                                        </p:attrNameLst>
+                                      </p:cBhvr>
+                                      <p:to>
+                                        <p:strVal val="visible"/>
+                                      </p:to>
+                                    </p:set>
+                                  </p:childTnLst>
+                                </p:cTn>
+                              </p:par>
+                            </p:childTnLst>
+                          </p:cTn>
+                        </p:par>
+                        <p:par>
+                          <p:cTn id="7" fill="hold">
+                            <p:stCondLst>
+                              <p:cond delay="0"/>
+                            </p:stCondLst>
+                            <p:childTnLst>
+                              <p:par>
+                                <p:cTn id="8" presetID="63" presetClass="path" presetSubtype="0" accel="50000" decel="50000" fill="hold" nodeType="afterEffect">
+                                  <p:stCondLst>
+                                    <p:cond delay="5000"/>
+                                  </p:stCondLst>
+                                  <p:childTnLst>
+                                    <p:animMotion origin="layout" path="M 0.00191 4.81481E-6 L 0.34236 4.81481E-6 " pathEditMode="relative" rAng="0" ptsTypes="AA">
+                                      <p:cBhvr>
+                                        <p:cTn id="9" dur="2000" fill="hold"/>
+                                        <p:tgtEl>
+                                          <p:spTgt spid="13"/>
+                                        </p:tgtEl>
+                                        <p:attrNameLst>
+                                          <p:attrName>ppt_x</p:attrName>
+                                          <p:attrName>ppt_y</p:attrName>
+                                        </p:attrNameLst>
+                                      </p:cBhvr>
+                                      <p:rCtr x="170" y="0"/>
+                                    </p:animMotion>
+                                  </p:childTnLst>
+                                </p:cTn>
+                              </p:par>
+                            </p:childTnLst>
+                          </p:cTn>
+                        </p:par>
+                        <p:par>
+                          <p:cTn id="10" fill="hold">
+                            <p:stCondLst>
+                              <p:cond delay="7000"/>
+                            </p:stCondLst>
+                            <p:childTnLst>
+                              <p:par>
+                                <p:cTn id="11" presetID="35" presetClass="path" presetSubtype="0" accel="50000" decel="50000" fill="hold" nodeType="afterEffect">
+                                  <p:stCondLst>
+                                    <p:cond delay="10000"/>
+                                  </p:stCondLst>
+                                  <p:childTnLst>
+                                    <p:animMotion origin="layout" path="M 0.34236 4.81481E-6 L -0.04549 4.81481E-6 " pathEditMode="relative" rAng="0" ptsTypes="AA">
+                                      <p:cBhvr>
+                                        <p:cTn id="12" dur="2000" fill="hold"/>
+                                        <p:tgtEl>
+                                          <p:spTgt spid="13"/>
+                                        </p:tgtEl>
+                                        <p:attrNameLst>
+                                          <p:attrName>ppt_x</p:attrName>
+                                          <p:attrName>ppt_y</p:attrName>
+                                        </p:attrNameLst>
+                                      </p:cBhvr>
+                                      <p:rCtr x="-194" y="0"/>
+                                    </p:animMotion>
+                                  </p:childTnLst>
+                                </p:cTn>
+                              </p:par>
+                            </p:childTnLst>
+                          </p:cTn>
+                        </p:par>
+                      </p:childTnLst>
+                    </p:cTn>
+                  </p:par>
+                </p:childTnLst>
+              </p:cTn>
+              <p:prevCondLst>
+                <p:cond evt="onPrev" delay="0">
+                  <p:tgtEl>
+                    <p:sldTgt/>
+                  </p:tgtEl>
+                </p:cond>
+              </p:prevCondLst>
+              <p:nextCondLst>
+                <p:cond evt="onNext" delay="0">
+                  <p:tgtEl>
+                    <p:sldTgt/>
+                  </p:tgtEl>
+                </p:cond>
+              </p:nextCondLst>
+            </p:seq>
+          </p:childTnLst>
+        </p:cTn>
+      </p:par>
+    </p:tnLst>
+  </p:timing>
 </p:sld>
 </file>
 
@@ -6114,11 +8291,44 @@
           <a:noFill/>
         </p:spPr>
       </p:pic>
+      <p:pic>
+        <p:nvPicPr>
+          <p:cNvPr id="2" name="Picture 2" descr="C:\Users\Cabezon\Desktop\privacidad.png"/>
+          <p:cNvPicPr>
+            <a:picLocks noChangeAspect="1" noChangeArrowheads="1"/>
+          </p:cNvPicPr>
+          <p:nvPr/>
+        </p:nvPicPr>
+        <p:blipFill>
+          <a:blip r:embed="rId7" cstate="print"/>
+          <a:srcRect/>
+          <a:stretch>
+            <a:fillRect/>
+          </a:stretch>
+        </p:blipFill>
+        <p:spPr bwMode="auto">
+          <a:xfrm>
+            <a:off x="4539580" y="1124744"/>
+            <a:ext cx="4604420" cy="4604420"/>
+          </a:xfrm>
+          <a:prstGeom prst="rect">
+            <a:avLst/>
+          </a:prstGeom>
+          <a:noFill/>
+        </p:spPr>
+      </p:pic>
     </p:spTree>
   </p:cSld>
   <p:clrMapOvr>
     <a:masterClrMapping/>
   </p:clrMapOvr>
+  <p:timing>
+    <p:tnLst>
+      <p:par>
+        <p:cTn id="1" dur="indefinite" restart="never" nodeType="tmRoot"/>
+      </p:par>
+    </p:tnLst>
+  </p:timing>
 </p:sld>
 </file>
 
@@ -6156,7 +8366,7 @@
         </p:blipFill>
         <p:spPr bwMode="auto">
           <a:xfrm>
-            <a:off x="1" y="1628800"/>
+            <a:off x="0" y="2132856"/>
             <a:ext cx="4499992" cy="1712912"/>
           </a:xfrm>
           <a:prstGeom prst="rect">
@@ -6225,7 +8435,7 @@
       </p:pic>
       <p:pic>
         <p:nvPicPr>
-          <p:cNvPr id="8" name="Picture 7" descr="C:\Users\Cabezon\Desktop\Buscar2.png"/>
+          <p:cNvPr id="9" name="Picture 8" descr="C:\Users\Public\Proyecto Code\Poster\f_57a0cf95601e.png"/>
           <p:cNvPicPr>
             <a:picLocks noChangeAspect="1" noChangeArrowheads="1"/>
           </p:cNvPicPr>
@@ -6239,9 +8449,9 @@
           </a:stretch>
         </p:blipFill>
         <p:spPr bwMode="auto">
-          <a:xfrm flipH="1">
-            <a:off x="4459487" y="332656"/>
-            <a:ext cx="4684513" cy="1901825"/>
+          <a:xfrm>
+            <a:off x="4716016" y="1556792"/>
+            <a:ext cx="3923928" cy="3935469"/>
           </a:xfrm>
           <a:prstGeom prst="rect">
             <a:avLst/>
@@ -6251,7 +8461,7 @@
       </p:pic>
       <p:pic>
         <p:nvPicPr>
-          <p:cNvPr id="9" name="Picture 8" descr="C:\Users\Public\Proyecto Code\Poster\f_57a0cf95601e.png"/>
+          <p:cNvPr id="1029" name="Picture 5" descr="C:\Users\Cabezon\Desktop\Sin título-1.png"/>
           <p:cNvPicPr>
             <a:picLocks noChangeAspect="1" noChangeArrowheads="1"/>
           </p:cNvPicPr>
@@ -6266,8 +8476,34 @@
         </p:blipFill>
         <p:spPr bwMode="auto">
           <a:xfrm>
-            <a:off x="5076056" y="1437747"/>
-            <a:ext cx="3923928" cy="3935469"/>
+            <a:off x="2870200" y="188640"/>
+            <a:ext cx="6273800" cy="2565400"/>
+          </a:xfrm>
+          <a:prstGeom prst="rect">
+            <a:avLst/>
+          </a:prstGeom>
+          <a:noFill/>
+        </p:spPr>
+      </p:pic>
+      <p:pic>
+        <p:nvPicPr>
+          <p:cNvPr id="1031" name="Picture 7" descr="C:\Users\Cabezon\Desktop\Onda.png"/>
+          <p:cNvPicPr>
+            <a:picLocks noChangeAspect="1" noChangeArrowheads="1"/>
+          </p:cNvPicPr>
+          <p:nvPr/>
+        </p:nvPicPr>
+        <p:blipFill>
+          <a:blip r:embed="rId7" cstate="print"/>
+          <a:srcRect/>
+          <a:stretch>
+            <a:fillRect/>
+          </a:stretch>
+        </p:blipFill>
+        <p:spPr bwMode="auto">
+          <a:xfrm>
+            <a:off x="1115616" y="3284984"/>
+            <a:ext cx="2132409" cy="2833862"/>
           </a:xfrm>
           <a:prstGeom prst="rect">
             <a:avLst/>
@@ -6280,6 +8516,13 @@
   <p:clrMapOvr>
     <a:masterClrMapping/>
   </p:clrMapOvr>
+  <p:timing>
+    <p:tnLst>
+      <p:par>
+        <p:cTn id="1" dur="indefinite" restart="never" nodeType="tmRoot"/>
+      </p:par>
+    </p:tnLst>
+  </p:timing>
 </p:sld>
 </file>
 
